--- a/ppt/第5章 Redis缓存持久化.pptx
+++ b/ppt/第5章 Redis缓存持久化.pptx
@@ -5,36 +5,36 @@
     <p:sldMasterId id="2147483648" r:id="rId1"/>
   </p:sldMasterIdLst>
   <p:notesMasterIdLst>
-    <p:notesMasterId r:id="rId25"/>
+    <p:notesMasterId r:id="rId24"/>
   </p:notesMasterIdLst>
   <p:sldIdLst>
-    <p:sldId id="256" r:id="rId3"/>
-    <p:sldId id="314" r:id="rId4"/>
-    <p:sldId id="311" r:id="rId5"/>
-    <p:sldId id="312" r:id="rId6"/>
-    <p:sldId id="315" r:id="rId7"/>
-    <p:sldId id="430" r:id="rId8"/>
-    <p:sldId id="433" r:id="rId9"/>
-    <p:sldId id="434" r:id="rId10"/>
-    <p:sldId id="431" r:id="rId11"/>
-    <p:sldId id="435" r:id="rId12"/>
-    <p:sldId id="436" r:id="rId13"/>
-    <p:sldId id="445" r:id="rId14"/>
-    <p:sldId id="446" r:id="rId15"/>
-    <p:sldId id="447" r:id="rId16"/>
-    <p:sldId id="448" r:id="rId17"/>
-    <p:sldId id="449" r:id="rId18"/>
-    <p:sldId id="450" r:id="rId19"/>
-    <p:sldId id="451" r:id="rId20"/>
-    <p:sldId id="452" r:id="rId21"/>
-    <p:sldId id="453" r:id="rId22"/>
-    <p:sldId id="454" r:id="rId23"/>
-    <p:sldId id="261" r:id="rId24"/>
+    <p:sldId id="256" r:id="rId2"/>
+    <p:sldId id="314" r:id="rId3"/>
+    <p:sldId id="311" r:id="rId4"/>
+    <p:sldId id="312" r:id="rId5"/>
+    <p:sldId id="315" r:id="rId6"/>
+    <p:sldId id="430" r:id="rId7"/>
+    <p:sldId id="433" r:id="rId8"/>
+    <p:sldId id="434" r:id="rId9"/>
+    <p:sldId id="431" r:id="rId10"/>
+    <p:sldId id="435" r:id="rId11"/>
+    <p:sldId id="436" r:id="rId12"/>
+    <p:sldId id="445" r:id="rId13"/>
+    <p:sldId id="446" r:id="rId14"/>
+    <p:sldId id="447" r:id="rId15"/>
+    <p:sldId id="448" r:id="rId16"/>
+    <p:sldId id="449" r:id="rId17"/>
+    <p:sldId id="450" r:id="rId18"/>
+    <p:sldId id="451" r:id="rId19"/>
+    <p:sldId id="452" r:id="rId20"/>
+    <p:sldId id="453" r:id="rId21"/>
+    <p:sldId id="454" r:id="rId22"/>
+    <p:sldId id="261" r:id="rId23"/>
   </p:sldIdLst>
   <p:sldSz cx="12192000" cy="6858000"/>
   <p:notesSz cx="6858000" cy="9144000"/>
   <p:custDataLst>
-    <p:tags r:id="rId29"/>
+    <p:tags r:id="rId25"/>
   </p:custDataLst>
   <p:defaultTextStyle>
     <a:defPPr>
@@ -131,6 +131,22 @@
       </a:defRPr>
     </a:lvl9pPr>
   </p:defaultTextStyle>
+  <p:extLst>
+    <p:ext uri="{EFAFB233-063F-42B5-8137-9DF3F51BA10A}">
+      <p15:sldGuideLst xmlns:p15="http://schemas.microsoft.com/office/powerpoint/2012/main">
+        <p15:guide id="1" orient="horz" pos="2193">
+          <p15:clr>
+            <a:srgbClr val="A4A3A4"/>
+          </p15:clr>
+        </p15:guide>
+        <p15:guide id="2" pos="3807">
+          <p15:clr>
+            <a:srgbClr val="A4A3A4"/>
+          </p15:clr>
+        </p15:guide>
+      </p15:sldGuideLst>
+    </p:ext>
+  </p:extLst>
 </p:presentation>
 </file>
 
@@ -216,6 +232,7 @@
           <a:p>
             <a:fld id="{E86D8963-CFCD-4740-AF60-049850373CDF}" type="datetimeFigureOut">
               <a:rPr lang="zh-CN" altLang="en-US" smtClean="0"/>
+              <a:t>2022/3/13</a:t>
             </a:fld>
             <a:endParaRPr lang="zh-CN" altLang="en-US"/>
           </a:p>
@@ -282,7 +299,6 @@
               <a:rPr lang="zh-CN" altLang="en-US"/>
               <a:t>单击此处编辑母版文本样式</a:t>
             </a:r>
-            <a:endParaRPr lang="zh-CN" altLang="en-US"/>
           </a:p>
           <a:p>
             <a:pPr lvl="1"/>
@@ -290,7 +306,6 @@
               <a:rPr lang="zh-CN" altLang="en-US"/>
               <a:t>第二级</a:t>
             </a:r>
-            <a:endParaRPr lang="zh-CN" altLang="en-US"/>
           </a:p>
           <a:p>
             <a:pPr lvl="2"/>
@@ -298,7 +313,6 @@
               <a:rPr lang="zh-CN" altLang="en-US"/>
               <a:t>第三级</a:t>
             </a:r>
-            <a:endParaRPr lang="zh-CN" altLang="en-US"/>
           </a:p>
           <a:p>
             <a:pPr lvl="3"/>
@@ -306,7 +320,6 @@
               <a:rPr lang="zh-CN" altLang="en-US"/>
               <a:t>第四级</a:t>
             </a:r>
-            <a:endParaRPr lang="zh-CN" altLang="en-US"/>
           </a:p>
           <a:p>
             <a:pPr lvl="4"/>
@@ -314,7 +327,6 @@
               <a:rPr lang="zh-CN" altLang="en-US"/>
               <a:t>第五级</a:t>
             </a:r>
-            <a:endParaRPr lang="zh-CN" altLang="en-US"/>
           </a:p>
         </p:txBody>
       </p:sp>
@@ -378,12 +390,18 @@
           <a:p>
             <a:fld id="{E9E6FDB6-6D2B-46C1-9FA1-D82906A37C3A}" type="slidenum">
               <a:rPr lang="zh-CN" altLang="en-US" smtClean="0"/>
+              <a:t>‹#›</a:t>
             </a:fld>
             <a:endParaRPr lang="zh-CN" altLang="en-US"/>
           </a:p>
         </p:txBody>
       </p:sp>
     </p:spTree>
+    <p:extLst>
+      <p:ext uri="{BB962C8B-B14F-4D97-AF65-F5344CB8AC3E}">
+        <p14:creationId xmlns:p14="http://schemas.microsoft.com/office/powerpoint/2010/main" val="547793171"/>
+      </p:ext>
+    </p:extLst>
   </p:cSld>
   <p:clrMap bg1="lt1" tx1="dk1" bg2="lt2" tx2="dk2" accent1="accent1" accent2="accent2" accent3="accent3" accent4="accent4" accent5="accent5" accent6="accent6" hlink="hlink" folHlink="folHlink"/>
   <p:notesStyle>
@@ -482,7 +500,7 @@
 </file>
 
 <file path=ppt/slideLayouts/slideLayout1.xml><?xml version="1.0" encoding="utf-8"?>
-<p:sldLayout xmlns:a="http://schemas.openxmlformats.org/drawingml/2006/main" xmlns:r="http://schemas.openxmlformats.org/officeDocument/2006/relationships" xmlns:p="http://schemas.openxmlformats.org/presentationml/2006/main" type="title" preserve="1" showMasterSp="0" userDrawn="1">
+<p:sldLayout xmlns:a="http://schemas.openxmlformats.org/drawingml/2006/main" xmlns:r="http://schemas.openxmlformats.org/officeDocument/2006/relationships" xmlns:p="http://schemas.openxmlformats.org/presentationml/2006/main" showMasterSp="0" type="title" preserve="1" userDrawn="1">
   <p:cSld name="标题幻灯片">
     <p:bg>
       <p:bgPr>
@@ -1537,7 +1555,6 @@
               <a:rPr lang="en-US" altLang="zh-CN" dirty="0"/>
               <a:t>Signature</a:t>
             </a:r>
-            <a:endParaRPr lang="en-US" altLang="zh-CN" dirty="0"/>
           </a:p>
         </p:txBody>
       </p:sp>
@@ -1664,7 +1681,6 @@
               <a:rPr lang="en-US" dirty="0"/>
               <a:t>Click to edit Master subtitle style</a:t>
             </a:r>
-            <a:endParaRPr lang="en-US" dirty="0"/>
           </a:p>
         </p:txBody>
       </p:sp>
@@ -1715,7 +1731,7 @@
 </file>
 
 <file path=ppt/slideLayouts/slideLayout2.xml><?xml version="1.0" encoding="utf-8"?>
-<p:sldLayout xmlns:a="http://schemas.openxmlformats.org/drawingml/2006/main" xmlns:r="http://schemas.openxmlformats.org/officeDocument/2006/relationships" xmlns:p="http://schemas.openxmlformats.org/presentationml/2006/main" type="secHead" preserve="1" showMasterSp="0" userDrawn="1">
+<p:sldLayout xmlns:a="http://schemas.openxmlformats.org/drawingml/2006/main" xmlns:r="http://schemas.openxmlformats.org/officeDocument/2006/relationships" xmlns:p="http://schemas.openxmlformats.org/presentationml/2006/main" showMasterSp="0" type="secHead" preserve="1" userDrawn="1">
   <p:cSld name="节标题">
     <p:spTree>
       <p:nvGrpSpPr>
@@ -2284,7 +2300,6 @@
               <a:rPr lang="en-US" dirty="0"/>
               <a:t>Edit Master text styles</a:t>
             </a:r>
-            <a:endParaRPr lang="en-US" dirty="0"/>
           </a:p>
         </p:txBody>
       </p:sp>
@@ -2988,6 +3003,7 @@
                   </a:schemeClr>
                 </a:solidFill>
               </a:rPr>
+              <a:t>‹#›</a:t>
             </a:fld>
             <a:endParaRPr lang="zh-CN" altLang="en-US" b="1" dirty="0">
               <a:solidFill>
@@ -3099,6 +3115,7 @@
           <a:p>
             <a:fld id="{E6F26766-F62E-419D-BB7F-91C9CEBCA24E}" type="datetime1">
               <a:rPr lang="zh-CN" altLang="en-US" smtClean="0"/>
+              <a:t>2022/3/13</a:t>
             </a:fld>
             <a:endParaRPr lang="zh-CN" altLang="en-US"/>
           </a:p>
@@ -3152,6 +3169,7 @@
           <a:p>
             <a:fld id="{5DD3DB80-B894-403A-B48E-6FDC1A72010E}" type="slidenum">
               <a:rPr lang="zh-CN" altLang="en-US" smtClean="0"/>
+              <a:t>‹#›</a:t>
             </a:fld>
             <a:endParaRPr lang="zh-CN" altLang="en-US"/>
           </a:p>
@@ -3166,7 +3184,7 @@
 </file>
 
 <file path=ppt/slideLayouts/slideLayout5.xml><?xml version="1.0" encoding="utf-8"?>
-<p:sldLayout xmlns:a="http://schemas.openxmlformats.org/drawingml/2006/main" xmlns:r="http://schemas.openxmlformats.org/officeDocument/2006/relationships" xmlns:p="http://schemas.openxmlformats.org/presentationml/2006/main" type="blank" preserve="1" showMasterSp="0">
+<p:sldLayout xmlns:a="http://schemas.openxmlformats.org/drawingml/2006/main" xmlns:r="http://schemas.openxmlformats.org/officeDocument/2006/relationships" xmlns:p="http://schemas.openxmlformats.org/presentationml/2006/main" showMasterSp="0" type="blank" preserve="1">
   <p:cSld name="空白">
     <p:spTree>
       <p:nvGrpSpPr>
@@ -3191,7 +3209,7 @@
 </file>
 
 <file path=ppt/slideLayouts/slideLayout6.xml><?xml version="1.0" encoding="utf-8"?>
-<p:sldLayout xmlns:a="http://schemas.openxmlformats.org/drawingml/2006/main" xmlns:r="http://schemas.openxmlformats.org/officeDocument/2006/relationships" xmlns:p="http://schemas.openxmlformats.org/presentationml/2006/main" preserve="1" showMasterSp="0" userDrawn="1">
+<p:sldLayout xmlns:a="http://schemas.openxmlformats.org/drawingml/2006/main" xmlns:r="http://schemas.openxmlformats.org/officeDocument/2006/relationships" xmlns:p="http://schemas.openxmlformats.org/presentationml/2006/main" showMasterSp="0" preserve="1" userDrawn="1">
   <p:cSld name="末尾幻灯片">
     <p:bg>
       <p:bgPr>
@@ -4103,7 +4121,6 @@
               <a:rPr lang="en-US" altLang="zh-CN" dirty="0"/>
               <a:t>Data</a:t>
             </a:r>
-            <a:endParaRPr lang="en-US" altLang="zh-CN" dirty="0"/>
           </a:p>
         </p:txBody>
       </p:sp>
@@ -4159,7 +4176,6 @@
               <a:rPr lang="en-US" altLang="zh-CN" dirty="0"/>
               <a:t>Signature</a:t>
             </a:r>
-            <a:endParaRPr lang="en-US" altLang="zh-CN" dirty="0"/>
           </a:p>
         </p:txBody>
       </p:sp>
@@ -4444,7 +4460,6 @@
               <a:rPr lang="en-US" dirty="0"/>
               <a:t>Edit Master text styles</a:t>
             </a:r>
-            <a:endParaRPr lang="en-US" dirty="0"/>
           </a:p>
           <a:p>
             <a:pPr lvl="1"/>
@@ -4452,7 +4467,6 @@
               <a:rPr lang="en-US" dirty="0"/>
               <a:t>Second level</a:t>
             </a:r>
-            <a:endParaRPr lang="en-US" dirty="0"/>
           </a:p>
           <a:p>
             <a:pPr lvl="2"/>
@@ -4460,7 +4474,6 @@
               <a:rPr lang="en-US" dirty="0"/>
               <a:t>Third level</a:t>
             </a:r>
-            <a:endParaRPr lang="en-US" dirty="0"/>
           </a:p>
           <a:p>
             <a:pPr lvl="3"/>
@@ -4468,7 +4481,6 @@
               <a:rPr lang="en-US" dirty="0"/>
               <a:t>Fourth level</a:t>
             </a:r>
-            <a:endParaRPr lang="en-US" dirty="0"/>
           </a:p>
           <a:p>
             <a:pPr lvl="4"/>
@@ -4516,6 +4528,7 @@
           <a:p>
             <a:fld id="{67FE44A0-2E53-457E-9AC0-11D6EE9FA3B5}" type="datetime1">
               <a:rPr lang="zh-CN" altLang="en-US" smtClean="0"/>
+              <a:t>2022/3/13</a:t>
             </a:fld>
             <a:endParaRPr lang="zh-CN" altLang="en-US"/>
           </a:p>
@@ -4607,6 +4620,7 @@
           <a:p>
             <a:fld id="{5DD3DB80-B894-403A-B48E-6FDC1A72010E}" type="slidenum">
               <a:rPr lang="zh-CN" altLang="en-US" smtClean="0"/>
+              <a:t>‹#›</a:t>
             </a:fld>
             <a:endParaRPr lang="zh-CN" altLang="en-US"/>
           </a:p>
@@ -6242,7 +6256,7 @@
           <p:nvPr/>
         </p:nvPicPr>
         <p:blipFill>
-          <a:blip r:embed="rId2" cstate="print">
+          <a:blip r:embed="rId3" cstate="print">
             <a:extLst>
               <a:ext uri="{28A0092B-C50C-407E-A947-70E740481C1C}">
                 <a14:useLocalDpi xmlns:a14="http://schemas.microsoft.com/office/drawing/2010/main" val="0"/>
@@ -6321,11 +6335,6 @@
               </a:rPr>
               <a:t>XXX</a:t>
             </a:r>
-            <a:endParaRPr lang="en-US" altLang="zh-CN" b="1" dirty="0">
-              <a:solidFill>
-                <a:schemeClr val="tx1"/>
-              </a:solidFill>
-            </a:endParaRPr>
           </a:p>
         </p:txBody>
       </p:sp>
@@ -6338,7 +6347,7 @@
           <p:nvPr/>
         </p:nvPicPr>
         <p:blipFill>
-          <a:blip r:embed="rId3" cstate="print">
+          <a:blip r:embed="rId4" cstate="print">
             <a:extLst>
               <a:ext uri="{28A0092B-C50C-407E-A947-70E740481C1C}">
                 <a14:useLocalDpi xmlns:a14="http://schemas.microsoft.com/office/drawing/2010/main" val="0"/>
@@ -6476,15 +6485,6 @@
               </a:rPr>
               <a:t>XXX</a:t>
             </a:r>
-            <a:endParaRPr lang="en-US" altLang="zh-CN" dirty="0">
-              <a:solidFill>
-                <a:srgbClr val="0000FF"/>
-              </a:solidFill>
-              <a:latin typeface="Times New Roman" panose="02020603050405020304" charset="0"/>
-              <a:ea typeface="微软雅黑" panose="020B0503020204020204" pitchFamily="34" charset="-122"/>
-              <a:cs typeface="+mn-ea"/>
-              <a:sym typeface="Times New Roman" panose="02020603050405020304" charset="0"/>
-            </a:endParaRPr>
           </a:p>
           <a:p>
             <a:pPr algn="l">
@@ -6516,15 +6516,6 @@
               </a:rPr>
               <a:t>XXX</a:t>
             </a:r>
-            <a:endParaRPr lang="en-US" altLang="zh-CN" dirty="0">
-              <a:solidFill>
-                <a:srgbClr val="0000FF"/>
-              </a:solidFill>
-              <a:latin typeface="Times New Roman" panose="02020603050405020304" charset="0"/>
-              <a:ea typeface="微软雅黑" panose="020B0503020204020204" pitchFamily="34" charset="-122"/>
-              <a:cs typeface="+mn-ea"/>
-              <a:sym typeface="Times New Roman" panose="02020603050405020304" charset="0"/>
-            </a:endParaRPr>
           </a:p>
           <a:p>
             <a:pPr algn="l">
@@ -6556,15 +6547,6 @@
               </a:rPr>
               <a:t>XXX</a:t>
             </a:r>
-            <a:endParaRPr lang="en-US" altLang="zh-CN" dirty="0">
-              <a:solidFill>
-                <a:srgbClr val="0000FF"/>
-              </a:solidFill>
-              <a:latin typeface="Times New Roman" panose="02020603050405020304" charset="0"/>
-              <a:ea typeface="微软雅黑" panose="020B0503020204020204" pitchFamily="34" charset="-122"/>
-              <a:cs typeface="+mn-ea"/>
-              <a:sym typeface="Times New Roman" panose="02020603050405020304" charset="0"/>
-            </a:endParaRPr>
           </a:p>
           <a:p>
             <a:pPr algn="l">
@@ -6596,15 +6578,6 @@
               </a:rPr>
               <a:t>XXX</a:t>
             </a:r>
-            <a:endParaRPr lang="en-US" altLang="zh-CN" dirty="0">
-              <a:solidFill>
-                <a:srgbClr val="0000FF"/>
-              </a:solidFill>
-              <a:latin typeface="Times New Roman" panose="02020603050405020304" charset="0"/>
-              <a:ea typeface="微软雅黑" panose="020B0503020204020204" pitchFamily="34" charset="-122"/>
-              <a:cs typeface="+mn-ea"/>
-              <a:sym typeface="Times New Roman" panose="02020603050405020304" charset="0"/>
-            </a:endParaRPr>
           </a:p>
         </p:txBody>
       </p:sp>
@@ -6617,7 +6590,7 @@
           <p:nvPr/>
         </p:nvPicPr>
         <p:blipFill>
-          <a:blip r:embed="rId4">
+          <a:blip r:embed="rId5">
             <a:extLst>
               <a:ext uri="{28A0092B-C50C-407E-A947-70E740481C1C}">
                 <a14:useLocalDpi xmlns:a14="http://schemas.microsoft.com/office/drawing/2010/main" val="0"/>
@@ -6740,7 +6713,6 @@
               <a:rPr lang="zh-CN" altLang="zh-CN" dirty="0"/>
               <a:t>文件的存储路径。</a:t>
             </a:r>
-            <a:endParaRPr lang="zh-CN" altLang="zh-CN" dirty="0"/>
           </a:p>
           <a:p>
             <a:endParaRPr lang="zh-CN" altLang="en-US" dirty="0"/>
@@ -6845,6 +6817,7 @@
           <a:bodyPr wrap="square">
             <a:spAutoFit/>
           </a:bodyPr>
+          <a:lstStyle/>
           <a:p>
             <a:r>
               <a:rPr lang="zh-CN" altLang="en-US" sz="2800" b="1" dirty="0">
@@ -7345,6 +7318,7 @@
           <a:lstStyle/>
           <a:p>
             <a:pPr algn="ctr"/>
+            <a:endParaRPr/>
           </a:p>
         </p:txBody>
       </p:sp>
@@ -7538,6 +7512,7 @@
           <a:lstStyle/>
           <a:p>
             <a:pPr algn="ctr"/>
+            <a:endParaRPr/>
           </a:p>
         </p:txBody>
       </p:sp>
@@ -7610,7 +7585,6 @@
               <a:rPr lang="zh-CN" altLang="zh-CN" dirty="0"/>
               <a:t>的保存点</a:t>
             </a:r>
-            <a:endParaRPr lang="zh-CN" altLang="zh-CN" dirty="0"/>
           </a:p>
           <a:p>
             <a:endParaRPr lang="zh-CN" altLang="en-US" dirty="0"/>
@@ -7723,7 +7697,7 @@
           <p:nvPr/>
         </p:nvPicPr>
         <p:blipFill>
-          <a:blip r:embed="rId6"/>
+          <a:blip r:embed="rId7"/>
           <a:stretch>
             <a:fillRect/>
           </a:stretch>
@@ -7771,9 +7745,6 @@
               </a:rPr>
               <a:t>保存点可以设置多个，设置保存点的格式为</a:t>
             </a:r>
-            <a:endParaRPr lang="en-US" altLang="zh-CN" dirty="0">
-              <a:sym typeface="+mn-ea"/>
-            </a:endParaRPr>
           </a:p>
         </p:txBody>
       </p:sp>
@@ -7786,7 +7757,7 @@
           <p:nvPr/>
         </p:nvPicPr>
         <p:blipFill>
-          <a:blip r:embed="rId7"/>
+          <a:blip r:embed="rId8"/>
           <a:stretch>
             <a:fillRect/>
           </a:stretch>
@@ -7832,47 +7803,8 @@
               <a:rPr lang="en-US" altLang="zh-CN" dirty="0">
                 <a:sym typeface="+mn-ea"/>
               </a:rPr>
-              <a:t>Redis</a:t>
-            </a:r>
-            <a:r>
-              <a:rPr lang="en-US" altLang="zh-CN" dirty="0">
-                <a:sym typeface="+mn-ea"/>
-              </a:rPr>
-              <a:t>可以设置多个保存点，例如</a:t>
-            </a:r>
-            <a:r>
-              <a:rPr lang="en-US" altLang="zh-CN" dirty="0">
-                <a:sym typeface="+mn-ea"/>
-              </a:rPr>
-              <a:t>Redis</a:t>
-            </a:r>
-            <a:r>
-              <a:rPr lang="en-US" altLang="zh-CN" dirty="0">
-                <a:sym typeface="+mn-ea"/>
-              </a:rPr>
-              <a:t>的配置文件</a:t>
-            </a:r>
-            <a:r>
-              <a:rPr lang="en-US" altLang="zh-CN" dirty="0">
-                <a:sym typeface="+mn-ea"/>
-              </a:rPr>
-              <a:t>(</a:t>
-            </a:r>
-            <a:r>
-              <a:rPr lang="en-US" altLang="zh-CN" dirty="0">
-                <a:sym typeface="+mn-ea"/>
-              </a:rPr>
-              <a:t>redis.conf)</a:t>
-            </a:r>
-            <a:r>
-              <a:rPr lang="en-US" altLang="zh-CN" dirty="0">
-                <a:sym typeface="+mn-ea"/>
-              </a:rPr>
-              <a:t>就默认设置了三个保存点</a:t>
-            </a:r>
-            <a:endParaRPr lang="en-US" altLang="zh-CN" dirty="0">
-              <a:sym typeface="+mn-ea"/>
-            </a:endParaRPr>
+              <a:t>Redis可以设置多个保存点，例如Redis的配置文件(redis.conf)就默认设置了三个保存点</a:t>
+            </a:r>
           </a:p>
         </p:txBody>
       </p:sp>
@@ -7885,7 +7817,7 @@
           <p:nvPr/>
         </p:nvPicPr>
         <p:blipFill>
-          <a:blip r:embed="rId8"/>
+          <a:blip r:embed="rId9"/>
           <a:stretch>
             <a:fillRect/>
           </a:stretch>
@@ -7920,6 +7852,7 @@
           <a:bodyPr wrap="square" rtlCol="0">
             <a:spAutoFit/>
           </a:bodyPr>
+          <a:lstStyle/>
           <a:p>
             <a:pPr>
               <a:buClrTx/>
@@ -7930,53 +7863,8 @@
               <a:rPr lang="en-US" altLang="zh-CN" dirty="0">
                 <a:sym typeface="+mn-ea"/>
               </a:rPr>
-              <a:t>2</a:t>
-            </a:r>
-            <a:r>
-              <a:rPr lang="en-US" altLang="zh-CN" dirty="0">
-                <a:sym typeface="+mn-ea"/>
-              </a:rPr>
-              <a:t>）</a:t>
-            </a:r>
-            <a:r>
-              <a:rPr lang="en-US" altLang="zh-CN" dirty="0">
-                <a:sym typeface="+mn-ea"/>
-              </a:rPr>
-              <a:t>禁用快照保存</a:t>
-            </a:r>
-            <a:r>
-              <a:rPr lang="en-US" altLang="zh-CN" dirty="0">
-                <a:sym typeface="+mn-ea"/>
-              </a:rPr>
-              <a:t>，如果想禁用快照保存的功能，可以通过注释掉所有</a:t>
-            </a:r>
-            <a:r>
-              <a:rPr lang="en-US" altLang="zh-CN" dirty="0">
-                <a:sym typeface="+mn-ea"/>
-              </a:rPr>
-              <a:t>"save"</a:t>
-            </a:r>
-            <a:r>
-              <a:rPr lang="en-US" altLang="zh-CN" dirty="0">
-                <a:sym typeface="+mn-ea"/>
-              </a:rPr>
-              <a:t>配置，或者在最后一条</a:t>
-            </a:r>
-            <a:r>
-              <a:rPr lang="en-US" altLang="zh-CN" dirty="0">
-                <a:sym typeface="+mn-ea"/>
-              </a:rPr>
-              <a:t>"save"</a:t>
-            </a:r>
-            <a:r>
-              <a:rPr lang="en-US" altLang="zh-CN" dirty="0">
-                <a:sym typeface="+mn-ea"/>
-              </a:rPr>
-              <a:t>配置后添加如下的配置。</a:t>
-            </a:r>
-            <a:endParaRPr lang="en-US" altLang="zh-CN" dirty="0">
-              <a:sym typeface="+mn-ea"/>
-            </a:endParaRPr>
+              <a:t>2）禁用快照保存，如果想禁用快照保存的功能，可以通过注释掉所有"save"配置，或者在最后一条"save"配置后添加如下的配置。</a:t>
+            </a:r>
           </a:p>
         </p:txBody>
       </p:sp>
@@ -7989,7 +7877,7 @@
           <p:nvPr/>
         </p:nvPicPr>
         <p:blipFill>
-          <a:blip r:embed="rId9"/>
+          <a:blip r:embed="rId10"/>
           <a:stretch>
             <a:fillRect/>
           </a:stretch>
@@ -8479,6 +8367,7 @@
           <a:lstStyle/>
           <a:p>
             <a:pPr algn="ctr"/>
+            <a:endParaRPr/>
           </a:p>
         </p:txBody>
       </p:sp>
@@ -8672,6 +8561,7 @@
           <a:lstStyle/>
           <a:p>
             <a:pPr algn="ctr"/>
+            <a:endParaRPr/>
           </a:p>
         </p:txBody>
       </p:sp>
@@ -8744,7 +8634,6 @@
               <a:rPr lang="zh-CN" altLang="zh-CN" dirty="0"/>
               <a:t>的保存点</a:t>
             </a:r>
-            <a:endParaRPr lang="zh-CN" altLang="zh-CN" dirty="0"/>
           </a:p>
           <a:p>
             <a:endParaRPr lang="zh-CN" altLang="en-US" dirty="0"/>
@@ -8782,54 +8671,21 @@
               <a:rPr lang="en-US" altLang="zh-CN" dirty="0">
                 <a:sym typeface="+mn-ea"/>
               </a:rPr>
-              <a:t>3</a:t>
-            </a:r>
+              <a:t>3）错误处理</a:t>
+            </a:r>
+          </a:p>
+          <a:p>
+            <a:pPr>
+              <a:buClrTx/>
+              <a:buSzTx/>
+              <a:buFontTx/>
+            </a:pPr>
             <a:r>
               <a:rPr lang="en-US" altLang="zh-CN" dirty="0">
                 <a:sym typeface="+mn-ea"/>
               </a:rPr>
-              <a:t>）</a:t>
-            </a:r>
-            <a:r>
-              <a:rPr lang="en-US" altLang="zh-CN" dirty="0">
-                <a:sym typeface="+mn-ea"/>
-              </a:rPr>
-              <a:t>错误处理</a:t>
-            </a:r>
-            <a:r>
-              <a:rPr lang="en-US" altLang="zh-CN" dirty="0">
-                <a:sym typeface="+mn-ea"/>
-              </a:rPr>
-              <a:t>-后台存储发生错误时禁止写入，默认为</a:t>
-            </a:r>
-            <a:r>
-              <a:rPr lang="en-US" altLang="zh-CN" dirty="0">
-                <a:sym typeface="+mn-ea"/>
-              </a:rPr>
-              <a:t>yes</a:t>
-            </a:r>
-            <a:r>
-              <a:rPr lang="en-US" altLang="zh-CN" dirty="0">
-                <a:sym typeface="+mn-ea"/>
-              </a:rPr>
-              <a:t>。默认情况下，如果</a:t>
-            </a:r>
-            <a:r>
-              <a:rPr lang="en-US" altLang="zh-CN" dirty="0">
-                <a:sym typeface="+mn-ea"/>
-              </a:rPr>
-              <a:t>Redis</a:t>
-            </a:r>
-            <a:r>
-              <a:rPr lang="en-US" altLang="zh-CN" dirty="0">
-                <a:sym typeface="+mn-ea"/>
-              </a:rPr>
-              <a:t>在后台生成快照时候失败，那么就会停止接收数据，目的是让用户能知道数据没有持久化成功。</a:t>
-            </a:r>
-            <a:endParaRPr lang="en-US" altLang="zh-CN" dirty="0">
-              <a:sym typeface="+mn-ea"/>
-            </a:endParaRPr>
+              <a:t>后台存储发生错误时禁止写入，默认为yes。默认情况下，如果Redis在后台生成快照时候失败，那么就会停止接收数据，目的是让用户能知道数据没有持久化成功。</a:t>
+            </a:r>
           </a:p>
         </p:txBody>
       </p:sp>
@@ -8842,7 +8698,7 @@
           <p:nvPr/>
         </p:nvPicPr>
         <p:blipFill>
-          <a:blip r:embed="rId6"/>
+          <a:blip r:embed="rId7"/>
           <a:stretch>
             <a:fillRect/>
           </a:stretch>
@@ -8888,144 +8744,21 @@
               <a:rPr lang="en-US" altLang="zh-CN" dirty="0">
                 <a:sym typeface="+mn-ea"/>
               </a:rPr>
-              <a:t>4</a:t>
-            </a:r>
+              <a:t>4）数据压缩</a:t>
+            </a:r>
+          </a:p>
+          <a:p>
+            <a:pPr>
+              <a:buClrTx/>
+              <a:buSzTx/>
+              <a:buFontTx/>
+            </a:pPr>
             <a:r>
               <a:rPr lang="en-US" altLang="zh-CN" dirty="0">
                 <a:sym typeface="+mn-ea"/>
               </a:rPr>
-              <a:t>）</a:t>
-            </a:r>
-            <a:r>
-              <a:rPr lang="en-US" altLang="zh-CN" dirty="0">
-                <a:sym typeface="+mn-ea"/>
-              </a:rPr>
-              <a:t>数据压缩</a:t>
-            </a:r>
-            <a:r>
-              <a:rPr lang="en-US" altLang="zh-CN" dirty="0">
-                <a:sym typeface="+mn-ea"/>
-              </a:rPr>
-              <a:t>-启动</a:t>
-            </a:r>
-            <a:r>
-              <a:rPr lang="en-US" altLang="zh-CN" dirty="0">
-                <a:sym typeface="+mn-ea"/>
-              </a:rPr>
-              <a:t>rdb</a:t>
-            </a:r>
-            <a:r>
-              <a:rPr lang="en-US" altLang="zh-CN" dirty="0">
-                <a:sym typeface="+mn-ea"/>
-              </a:rPr>
-              <a:t>文件压缩，耗费</a:t>
-            </a:r>
-            <a:r>
-              <a:rPr lang="en-US" altLang="zh-CN" dirty="0">
-                <a:sym typeface="+mn-ea"/>
-              </a:rPr>
-              <a:t>CPU</a:t>
-            </a:r>
-            <a:r>
-              <a:rPr lang="en-US" altLang="zh-CN" dirty="0">
-                <a:sym typeface="+mn-ea"/>
-              </a:rPr>
-              <a:t>资源，默认为</a:t>
-            </a:r>
-            <a:r>
-              <a:rPr lang="en-US" altLang="zh-CN" dirty="0">
-                <a:sym typeface="+mn-ea"/>
-              </a:rPr>
-              <a:t>yes</a:t>
-            </a:r>
-            <a:r>
-              <a:rPr lang="en-US" altLang="zh-CN" dirty="0">
-                <a:sym typeface="+mn-ea"/>
-              </a:rPr>
-              <a:t>。</a:t>
-            </a:r>
-            <a:r>
-              <a:rPr lang="en-US" altLang="zh-CN" dirty="0">
-                <a:sym typeface="+mn-ea"/>
-              </a:rPr>
-              <a:t>对</a:t>
-            </a:r>
-            <a:r>
-              <a:rPr lang="en-US" altLang="zh-CN" dirty="0">
-                <a:sym typeface="+mn-ea"/>
-              </a:rPr>
-              <a:t>rdb</a:t>
-            </a:r>
-            <a:r>
-              <a:rPr lang="en-US" altLang="zh-CN" dirty="0">
-                <a:sym typeface="+mn-ea"/>
-              </a:rPr>
-              <a:t>数据进行校验，耗费</a:t>
-            </a:r>
-            <a:r>
-              <a:rPr lang="en-US" altLang="zh-CN" dirty="0">
-                <a:sym typeface="+mn-ea"/>
-              </a:rPr>
-              <a:t>CPU</a:t>
-            </a:r>
-            <a:r>
-              <a:rPr lang="en-US" altLang="zh-CN" dirty="0">
-                <a:sym typeface="+mn-ea"/>
-              </a:rPr>
-              <a:t>资源，默认为</a:t>
-            </a:r>
-            <a:r>
-              <a:rPr lang="en-US" altLang="zh-CN" dirty="0">
-                <a:sym typeface="+mn-ea"/>
-              </a:rPr>
-              <a:t>yes</a:t>
-            </a:r>
-            <a:r>
-              <a:rPr lang="en-US" altLang="zh-CN" dirty="0">
-                <a:sym typeface="+mn-ea"/>
-              </a:rPr>
-              <a:t>。默认</a:t>
-            </a:r>
-            <a:r>
-              <a:rPr lang="en-US" altLang="zh-CN" dirty="0">
-                <a:sym typeface="+mn-ea"/>
-              </a:rPr>
-              <a:t>Redis</a:t>
-            </a:r>
-            <a:r>
-              <a:rPr lang="en-US" altLang="zh-CN" dirty="0">
-                <a:sym typeface="+mn-ea"/>
-              </a:rPr>
-              <a:t>会采用</a:t>
-            </a:r>
-            <a:r>
-              <a:rPr lang="en-US" altLang="zh-CN" dirty="0">
-                <a:sym typeface="+mn-ea"/>
-              </a:rPr>
-              <a:t>LZF</a:t>
-            </a:r>
-            <a:r>
-              <a:rPr lang="en-US" altLang="zh-CN" dirty="0">
-                <a:sym typeface="+mn-ea"/>
-              </a:rPr>
-              <a:t>对数据进行压缩。如果想节省点</a:t>
-            </a:r>
-            <a:r>
-              <a:rPr lang="en-US" altLang="zh-CN" dirty="0">
-                <a:sym typeface="+mn-ea"/>
-              </a:rPr>
-              <a:t>CPU</a:t>
-            </a:r>
-            <a:r>
-              <a:rPr lang="en-US" altLang="zh-CN" dirty="0">
-                <a:sym typeface="+mn-ea"/>
-              </a:rPr>
-              <a:t>的性能，可以禁用压缩功能，但是数据集就会比没压缩的时候要大。</a:t>
-            </a:r>
-            <a:endParaRPr lang="en-US" altLang="zh-CN" dirty="0">
-              <a:sym typeface="+mn-ea"/>
-            </a:endParaRPr>
+              <a:t>启动rdb文件压缩，耗费CPU资源，默认为yes。对rdb数据进行校验，耗费CPU资源，默认为yes。默认Redis会采用LZF对数据进行压缩。如果想节省点CPU的性能，可以禁用压缩功能，但是数据集就会比没压缩的时候要大。</a:t>
+            </a:r>
           </a:p>
         </p:txBody>
       </p:sp>
@@ -9038,7 +8771,7 @@
           <p:nvPr/>
         </p:nvPicPr>
         <p:blipFill>
-          <a:blip r:embed="rId7"/>
+          <a:blip r:embed="rId8"/>
           <a:stretch>
             <a:fillRect/>
           </a:stretch>
@@ -9084,78 +8817,21 @@
               <a:rPr lang="en-US" altLang="zh-CN" dirty="0">
                 <a:sym typeface="+mn-ea"/>
               </a:rPr>
-              <a:t>5</a:t>
-            </a:r>
+              <a:t>5）数据校验</a:t>
+            </a:r>
+          </a:p>
+          <a:p>
+            <a:pPr lvl="0" algn="l">
+              <a:buClrTx/>
+              <a:buSzTx/>
+              <a:buFontTx/>
+            </a:pPr>
             <a:r>
               <a:rPr lang="en-US" altLang="zh-CN" dirty="0">
                 <a:sym typeface="+mn-ea"/>
               </a:rPr>
-              <a:t>）</a:t>
-            </a:r>
-            <a:r>
-              <a:rPr lang="en-US" altLang="zh-CN" dirty="0">
-                <a:sym typeface="+mn-ea"/>
-              </a:rPr>
-              <a:t>数据校验</a:t>
-            </a:r>
-            <a:r>
-              <a:rPr lang="en-US" altLang="zh-CN" dirty="0">
-                <a:sym typeface="+mn-ea"/>
-              </a:rPr>
-              <a:t>-对</a:t>
-            </a:r>
-            <a:r>
-              <a:rPr lang="en-US" altLang="zh-CN" dirty="0">
-                <a:sym typeface="+mn-ea"/>
-              </a:rPr>
-              <a:t>rdb</a:t>
-            </a:r>
-            <a:r>
-              <a:rPr lang="en-US" altLang="zh-CN" dirty="0">
-                <a:sym typeface="+mn-ea"/>
-              </a:rPr>
-              <a:t>数据进行校验，</a:t>
-            </a:r>
-            <a:r>
-              <a:rPr lang="en-US" altLang="zh-CN" dirty="0">
-                <a:sym typeface="+mn-ea"/>
-              </a:rPr>
-              <a:t>会</a:t>
-            </a:r>
-            <a:r>
-              <a:rPr lang="en-US" altLang="zh-CN" dirty="0">
-                <a:sym typeface="+mn-ea"/>
-              </a:rPr>
-              <a:t>耗费</a:t>
-            </a:r>
-            <a:r>
-              <a:rPr lang="en-US" altLang="zh-CN" dirty="0">
-                <a:sym typeface="+mn-ea"/>
-              </a:rPr>
-              <a:t>CPU</a:t>
-            </a:r>
-            <a:r>
-              <a:rPr lang="en-US" altLang="zh-CN" dirty="0">
-                <a:sym typeface="+mn-ea"/>
-              </a:rPr>
-              <a:t>资源，默认为</a:t>
-            </a:r>
-            <a:r>
-              <a:rPr lang="en-US" altLang="zh-CN" dirty="0">
-                <a:sym typeface="+mn-ea"/>
-              </a:rPr>
-              <a:t>yes</a:t>
-            </a:r>
-            <a:r>
-              <a:rPr lang="en-US" altLang="zh-CN" dirty="0">
-                <a:sym typeface="+mn-ea"/>
-              </a:rPr>
-              <a:t>。</a:t>
-            </a:r>
-            <a:endParaRPr lang="en-US" altLang="zh-CN" dirty="0">
-              <a:sym typeface="+mn-ea"/>
-            </a:endParaRPr>
+              <a:t>对rdb数据进行校验，会耗费CPU资源，默认为yes。</a:t>
+            </a:r>
           </a:p>
         </p:txBody>
       </p:sp>
@@ -9168,7 +8844,7 @@
           <p:nvPr/>
         </p:nvPicPr>
         <p:blipFill>
-          <a:blip r:embed="rId8"/>
+          <a:blip r:embed="rId9"/>
           <a:stretch>
             <a:fillRect/>
           </a:stretch>
@@ -9658,6 +9334,7 @@
           <a:lstStyle/>
           <a:p>
             <a:pPr algn="ctr"/>
+            <a:endParaRPr/>
           </a:p>
         </p:txBody>
       </p:sp>
@@ -9851,6 +9528,7 @@
           <a:lstStyle/>
           <a:p>
             <a:pPr algn="ctr"/>
+            <a:endParaRPr/>
           </a:p>
         </p:txBody>
       </p:sp>
@@ -9923,7 +9601,6 @@
               <a:rPr lang="zh-CN" altLang="zh-CN" dirty="0"/>
               <a:t>的保存点</a:t>
             </a:r>
-            <a:endParaRPr lang="zh-CN" altLang="zh-CN" dirty="0"/>
           </a:p>
           <a:p>
             <a:endParaRPr lang="zh-CN" altLang="en-US" dirty="0"/>
@@ -9961,248 +9638,47 @@
               <a:rPr lang="en-US" altLang="zh-CN" dirty="0">
                 <a:sym typeface="+mn-ea"/>
               </a:rPr>
-              <a:t>6</a:t>
-            </a:r>
+              <a:t>6）手动生成快照</a:t>
+            </a:r>
+          </a:p>
+          <a:p>
+            <a:pPr>
+              <a:buClrTx/>
+              <a:buSzTx/>
+              <a:buFontTx/>
+            </a:pPr>
             <a:r>
               <a:rPr lang="en-US" altLang="zh-CN" dirty="0">
                 <a:sym typeface="+mn-ea"/>
               </a:rPr>
-              <a:t>）</a:t>
-            </a:r>
+              <a:t>Redis提供了SAVE命令和BGSAVE命令用于手动生成快照。</a:t>
+            </a:r>
+          </a:p>
+          <a:p>
+            <a:pPr>
+              <a:buClrTx/>
+              <a:buSzTx/>
+              <a:buFontTx/>
+            </a:pPr>
             <a:r>
               <a:rPr lang="en-US" altLang="zh-CN" dirty="0">
                 <a:sym typeface="+mn-ea"/>
               </a:rPr>
-              <a:t>手动生成快照</a:t>
-            </a:r>
+              <a:t>  1）SAVE</a:t>
+            </a:r>
+          </a:p>
+          <a:p>
+            <a:pPr>
+              <a:buClrTx/>
+              <a:buSzTx/>
+              <a:buFontTx/>
+            </a:pPr>
             <a:r>
               <a:rPr lang="en-US" altLang="zh-CN" dirty="0">
                 <a:sym typeface="+mn-ea"/>
               </a:rPr>
-              <a:t>-Redis</a:t>
-            </a:r>
-            <a:r>
-              <a:rPr lang="en-US" altLang="zh-CN" dirty="0">
-                <a:sym typeface="+mn-ea"/>
-              </a:rPr>
-              <a:t>提供了</a:t>
-            </a:r>
-            <a:r>
-              <a:rPr lang="en-US" altLang="zh-CN" dirty="0">
-                <a:sym typeface="+mn-ea"/>
-              </a:rPr>
-              <a:t>SAVE</a:t>
-            </a:r>
-            <a:r>
-              <a:rPr lang="en-US" altLang="zh-CN" dirty="0">
-                <a:sym typeface="+mn-ea"/>
-              </a:rPr>
-              <a:t>命令和</a:t>
-            </a:r>
-            <a:r>
-              <a:rPr lang="en-US" altLang="zh-CN" dirty="0">
-                <a:sym typeface="+mn-ea"/>
-              </a:rPr>
-              <a:t>BGSAVE</a:t>
-            </a:r>
-            <a:r>
-              <a:rPr lang="en-US" altLang="zh-CN" dirty="0">
-                <a:sym typeface="+mn-ea"/>
-              </a:rPr>
-              <a:t>命令用于手动生成快照。</a:t>
-            </a:r>
-            <a:r>
-              <a:rPr lang="en-US" altLang="zh-CN" dirty="0">
-                <a:sym typeface="+mn-ea"/>
-              </a:rPr>
-              <a:t>-</a:t>
-            </a:r>
-            <a:r>
-              <a:rPr lang="en-US" altLang="zh-CN" dirty="0">
-                <a:sym typeface="+mn-ea"/>
-              </a:rPr>
-              <a:t>  </a:t>
-            </a:r>
-            <a:r>
-              <a:rPr lang="en-US" altLang="zh-CN" dirty="0">
-                <a:sym typeface="+mn-ea"/>
-              </a:rPr>
-              <a:t>1</a:t>
-            </a:r>
-            <a:r>
-              <a:rPr lang="en-US" altLang="zh-CN" dirty="0">
-                <a:sym typeface="+mn-ea"/>
-              </a:rPr>
-              <a:t>）</a:t>
-            </a:r>
-            <a:r>
-              <a:rPr lang="en-US" altLang="zh-CN" dirty="0">
-                <a:sym typeface="+mn-ea"/>
-              </a:rPr>
-              <a:t>SAVE-</a:t>
-            </a:r>
-            <a:r>
-              <a:rPr lang="en-US" altLang="zh-CN" dirty="0">
-                <a:sym typeface="+mn-ea"/>
-              </a:rPr>
-              <a:t>        </a:t>
-            </a:r>
-            <a:r>
-              <a:rPr lang="en-US" altLang="zh-CN" dirty="0">
-                <a:sym typeface="+mn-ea"/>
-              </a:rPr>
-              <a:t>SAVE</a:t>
-            </a:r>
-            <a:r>
-              <a:rPr lang="en-US" altLang="zh-CN" dirty="0">
-                <a:sym typeface="+mn-ea"/>
-              </a:rPr>
-              <a:t>命令会使用同步的方式生成</a:t>
-            </a:r>
-            <a:r>
-              <a:rPr lang="en-US" altLang="zh-CN" dirty="0">
-                <a:sym typeface="+mn-ea"/>
-              </a:rPr>
-              <a:t>RDB</a:t>
-            </a:r>
-            <a:r>
-              <a:rPr lang="en-US" altLang="zh-CN" dirty="0">
-                <a:sym typeface="+mn-ea"/>
-              </a:rPr>
-              <a:t>快照文件，将当前</a:t>
-            </a:r>
-            <a:r>
-              <a:rPr lang="en-US" altLang="zh-CN" dirty="0">
-                <a:sym typeface="+mn-ea"/>
-              </a:rPr>
-              <a:t>Redis</a:t>
-            </a:r>
-            <a:r>
-              <a:rPr lang="en-US" altLang="zh-CN" dirty="0">
-                <a:sym typeface="+mn-ea"/>
-              </a:rPr>
-              <a:t>实例的所有数据快照</a:t>
-            </a:r>
-            <a:r>
-              <a:rPr lang="en-US" altLang="zh-CN" dirty="0">
-                <a:sym typeface="+mn-ea"/>
-              </a:rPr>
-              <a:t>(</a:t>
-            </a:r>
-            <a:r>
-              <a:rPr lang="en-US" altLang="zh-CN" dirty="0">
-                <a:sym typeface="+mn-ea"/>
-              </a:rPr>
-              <a:t>snap shot)</a:t>
-            </a:r>
-            <a:r>
-              <a:rPr lang="en-US" altLang="zh-CN" dirty="0">
-                <a:sym typeface="+mn-ea"/>
-              </a:rPr>
-              <a:t>以</a:t>
-            </a:r>
-            <a:r>
-              <a:rPr lang="en-US" altLang="zh-CN" dirty="0">
-                <a:sym typeface="+mn-ea"/>
-              </a:rPr>
-              <a:t>RDB</a:t>
-            </a:r>
-            <a:r>
-              <a:rPr lang="en-US" altLang="zh-CN" dirty="0">
-                <a:sym typeface="+mn-ea"/>
-              </a:rPr>
-              <a:t>文件的形式保存到硬盘，默认情况下会把</a:t>
-            </a:r>
-            <a:r>
-              <a:rPr lang="en-US" altLang="zh-CN" dirty="0">
-                <a:sym typeface="+mn-ea"/>
-              </a:rPr>
-              <a:t>Redis</a:t>
-            </a:r>
-            <a:r>
-              <a:rPr lang="en-US" altLang="zh-CN" dirty="0">
-                <a:sym typeface="+mn-ea"/>
-              </a:rPr>
-              <a:t>数据持久化到</a:t>
-            </a:r>
-            <a:r>
-              <a:rPr lang="en-US" altLang="zh-CN" dirty="0">
-                <a:sym typeface="+mn-ea"/>
-              </a:rPr>
-              <a:t>d</a:t>
-            </a:r>
-            <a:r>
-              <a:rPr lang="en-US" altLang="zh-CN" dirty="0">
-                <a:sym typeface="+mn-ea"/>
-              </a:rPr>
-              <a:t>ump.rdb</a:t>
-            </a:r>
-            <a:r>
-              <a:rPr lang="en-US" altLang="zh-CN" dirty="0">
-                <a:sym typeface="+mn-ea"/>
-              </a:rPr>
-              <a:t>文件中，并且在</a:t>
-            </a:r>
-            <a:r>
-              <a:rPr lang="en-US" altLang="zh-CN" dirty="0">
-                <a:sym typeface="+mn-ea"/>
-              </a:rPr>
-              <a:t>Redis</a:t>
-            </a:r>
-            <a:r>
-              <a:rPr lang="en-US" altLang="zh-CN" dirty="0">
-                <a:sym typeface="+mn-ea"/>
-              </a:rPr>
-              <a:t>重启后自动读取</a:t>
-            </a:r>
-            <a:r>
-              <a:rPr lang="en-US" altLang="zh-CN" dirty="0">
-                <a:sym typeface="+mn-ea"/>
-              </a:rPr>
-              <a:t>dump</a:t>
-            </a:r>
-            <a:r>
-              <a:rPr lang="en-US" altLang="zh-CN" dirty="0">
-                <a:sym typeface="+mn-ea"/>
-              </a:rPr>
-              <a:t>.rdb</a:t>
-            </a:r>
-            <a:r>
-              <a:rPr lang="en-US" altLang="zh-CN" dirty="0">
-                <a:sym typeface="+mn-ea"/>
-              </a:rPr>
-              <a:t>文件。</a:t>
-            </a:r>
-            <a:r>
-              <a:rPr lang="en-US" altLang="zh-CN" dirty="0">
-                <a:sym typeface="+mn-ea"/>
-              </a:rPr>
-              <a:t>SAVE</a:t>
-            </a:r>
-            <a:r>
-              <a:rPr lang="en-US" altLang="zh-CN" dirty="0">
-                <a:sym typeface="+mn-ea"/>
-              </a:rPr>
-              <a:t>操作在</a:t>
-            </a:r>
-            <a:r>
-              <a:rPr lang="en-US" altLang="zh-CN" dirty="0">
-                <a:sym typeface="+mn-ea"/>
-              </a:rPr>
-              <a:t>Redis</a:t>
-            </a:r>
-            <a:r>
-              <a:rPr lang="en-US" altLang="zh-CN" dirty="0">
-                <a:sym typeface="+mn-ea"/>
-              </a:rPr>
-              <a:t>主线程中工作，会阻塞其他请求操作，在实际的生产环境中应该避免使用。</a:t>
-            </a:r>
-            <a:endParaRPr lang="en-US" altLang="zh-CN" dirty="0">
-              <a:sym typeface="+mn-ea"/>
-            </a:endParaRPr>
+              <a:t>        SAVE命令会使用同步的方式生成RDB快照文件，将当前Redis实例的所有数据快照(snap shot)以RDB文件的形式保存到硬盘，默认情况下会把Redis数据持久化到dump.rdb文件中，并且在Redis重启后自动读取dump.rdb文件。SAVE操作在Redis主线程中工作，会阻塞其他请求操作，在实际的生产环境中应该避免使用。</a:t>
+            </a:r>
           </a:p>
         </p:txBody>
       </p:sp>
@@ -10237,84 +9713,21 @@
               <a:rPr lang="en-US" altLang="zh-CN" dirty="0">
                 <a:sym typeface="+mn-ea"/>
               </a:rPr>
-              <a:t>2</a:t>
-            </a:r>
+              <a:t>2）BGSAVE</a:t>
+            </a:r>
+          </a:p>
+          <a:p>
+            <a:pPr lvl="0" algn="l">
+              <a:buClrTx/>
+              <a:buSzTx/>
+              <a:buFontTx/>
+            </a:pPr>
             <a:r>
               <a:rPr lang="en-US" altLang="zh-CN" dirty="0">
                 <a:sym typeface="+mn-ea"/>
               </a:rPr>
-              <a:t>）</a:t>
-            </a:r>
-            <a:r>
-              <a:rPr lang="en-US" altLang="zh-CN" dirty="0">
-                <a:sym typeface="+mn-ea"/>
-              </a:rPr>
-              <a:t>BGSAVE</a:t>
-            </a:r>
-            <a:r>
-              <a:rPr lang="en-US" altLang="zh-CN" dirty="0">
-                <a:sym typeface="+mn-ea"/>
-              </a:rPr>
-              <a:t>-BGSAVE</a:t>
-            </a:r>
-            <a:r>
-              <a:rPr lang="en-US" altLang="zh-CN" dirty="0">
-                <a:sym typeface="+mn-ea"/>
-              </a:rPr>
-              <a:t>命令使用异步的方式保存当前</a:t>
-            </a:r>
-            <a:r>
-              <a:rPr lang="en-US" altLang="zh-CN" dirty="0">
-                <a:sym typeface="+mn-ea"/>
-              </a:rPr>
-              <a:t>Redis</a:t>
-            </a:r>
-            <a:r>
-              <a:rPr lang="en-US" altLang="zh-CN" dirty="0">
-                <a:sym typeface="+mn-ea"/>
-              </a:rPr>
-              <a:t>实例的所有数据到</a:t>
-            </a:r>
-            <a:r>
-              <a:rPr lang="en-US" altLang="zh-CN" dirty="0">
-                <a:sym typeface="+mn-ea"/>
-              </a:rPr>
-              <a:t>RDB</a:t>
-            </a:r>
-            <a:r>
-              <a:rPr lang="en-US" altLang="zh-CN" dirty="0">
-                <a:sym typeface="+mn-ea"/>
-              </a:rPr>
-              <a:t>文件，调用</a:t>
-            </a:r>
-            <a:r>
-              <a:rPr lang="en-US" altLang="zh-CN" dirty="0">
-                <a:sym typeface="+mn-ea"/>
-              </a:rPr>
-              <a:t>BGSAVE</a:t>
-            </a:r>
-            <a:r>
-              <a:rPr lang="en-US" altLang="zh-CN" dirty="0">
-                <a:sym typeface="+mn-ea"/>
-              </a:rPr>
-              <a:t>命令后，</a:t>
-            </a:r>
-            <a:r>
-              <a:rPr lang="en-US" altLang="zh-CN" dirty="0">
-                <a:sym typeface="+mn-ea"/>
-              </a:rPr>
-              <a:t>Redis</a:t>
-            </a:r>
-            <a:r>
-              <a:rPr lang="en-US" altLang="zh-CN" dirty="0">
-                <a:sym typeface="+mn-ea"/>
-              </a:rPr>
-              <a:t>会产生一个子进程进行处理并立刻恢复对客户端的服务。</a:t>
-            </a:r>
-            <a:endParaRPr lang="en-US" altLang="zh-CN" dirty="0">
-              <a:sym typeface="+mn-ea"/>
-            </a:endParaRPr>
+              <a:t>BGSAVE命令使用异步的方式保存当前Redis实例的所有数据到RDB文件，调用BGSAVE命令后，Redis会产生一个子进程进行处理并立刻恢复对客户端的服务。</a:t>
+            </a:r>
           </a:p>
         </p:txBody>
       </p:sp>
@@ -10327,7 +9740,7 @@
           <p:nvPr/>
         </p:nvPicPr>
         <p:blipFill>
-          <a:blip r:embed="rId6"/>
+          <a:blip r:embed="rId7"/>
           <a:stretch>
             <a:fillRect/>
           </a:stretch>
@@ -10351,7 +9764,7 @@
           <p:nvPr/>
         </p:nvPicPr>
         <p:blipFill>
-          <a:blip r:embed="rId7"/>
+          <a:blip r:embed="rId8"/>
           <a:stretch>
             <a:fillRect/>
           </a:stretch>
@@ -10841,6 +10254,7 @@
           <a:lstStyle/>
           <a:p>
             <a:pPr algn="ctr"/>
+            <a:endParaRPr/>
           </a:p>
         </p:txBody>
       </p:sp>
@@ -11034,6 +10448,7 @@
           <a:lstStyle/>
           <a:p>
             <a:pPr algn="ctr"/>
+            <a:endParaRPr/>
           </a:p>
         </p:txBody>
       </p:sp>
@@ -11102,102 +10517,21 @@
               <a:rPr lang="en-US" altLang="zh-CN" dirty="0">
                 <a:sym typeface="+mn-ea"/>
               </a:rPr>
-              <a:t>1</a:t>
-            </a:r>
+              <a:t>1)  启用AOF</a:t>
+            </a:r>
+          </a:p>
+          <a:p>
+            <a:pPr>
+              <a:buClrTx/>
+              <a:buSzTx/>
+              <a:buFontTx/>
+            </a:pPr>
             <a:r>
               <a:rPr lang="en-US" altLang="zh-CN" dirty="0">
                 <a:sym typeface="+mn-ea"/>
               </a:rPr>
-              <a:t>)  </a:t>
-            </a:r>
-            <a:r>
-              <a:rPr lang="en-US" altLang="zh-CN" dirty="0">
-                <a:sym typeface="+mn-ea"/>
-              </a:rPr>
-              <a:t>启用</a:t>
-            </a:r>
-            <a:r>
-              <a:rPr lang="en-US" altLang="zh-CN" dirty="0">
-                <a:sym typeface="+mn-ea"/>
-              </a:rPr>
-              <a:t>AOF</a:t>
-            </a:r>
-            <a:r>
-              <a:rPr lang="en-US" altLang="zh-CN" dirty="0">
-                <a:sym typeface="+mn-ea"/>
-              </a:rPr>
-              <a:t>-</a:t>
-            </a:r>
-            <a:r>
-              <a:rPr lang="en-US" altLang="zh-CN" dirty="0">
-                <a:sym typeface="+mn-ea"/>
-              </a:rPr>
-              <a:t>     </a:t>
-            </a:r>
-            <a:r>
-              <a:rPr lang="en-US" altLang="zh-CN" dirty="0">
-                <a:sym typeface="+mn-ea"/>
-              </a:rPr>
-              <a:t>将</a:t>
-            </a:r>
-            <a:r>
-              <a:rPr lang="en-US" altLang="zh-CN" dirty="0">
-                <a:sym typeface="+mn-ea"/>
-              </a:rPr>
-              <a:t>r</a:t>
-            </a:r>
-            <a:r>
-              <a:rPr lang="en-US" altLang="zh-CN" dirty="0">
-                <a:sym typeface="+mn-ea"/>
-              </a:rPr>
-              <a:t>edis.conf</a:t>
-            </a:r>
-            <a:r>
-              <a:rPr lang="en-US" altLang="zh-CN" dirty="0">
-                <a:sym typeface="+mn-ea"/>
-              </a:rPr>
-              <a:t>配置文件的配置项</a:t>
-            </a:r>
-            <a:r>
-              <a:rPr lang="en-US" altLang="zh-CN" dirty="0">
-                <a:sym typeface="+mn-ea"/>
-              </a:rPr>
-              <a:t>appendonly</a:t>
-            </a:r>
-            <a:r>
-              <a:rPr lang="en-US" altLang="zh-CN" dirty="0">
-                <a:sym typeface="+mn-ea"/>
-              </a:rPr>
-              <a:t>设为</a:t>
-            </a:r>
-            <a:r>
-              <a:rPr lang="en-US" altLang="zh-CN" dirty="0">
-                <a:sym typeface="+mn-ea"/>
-              </a:rPr>
-              <a:t>yes</a:t>
-            </a:r>
-            <a:r>
-              <a:rPr lang="en-US" altLang="zh-CN" dirty="0">
-                <a:sym typeface="+mn-ea"/>
-              </a:rPr>
-              <a:t>，开启</a:t>
-            </a:r>
-            <a:r>
-              <a:rPr lang="en-US" altLang="zh-CN" dirty="0">
-                <a:sym typeface="+mn-ea"/>
-              </a:rPr>
-              <a:t>AOF</a:t>
-            </a:r>
-            <a:r>
-              <a:rPr lang="en-US" altLang="zh-CN" dirty="0">
-                <a:sym typeface="+mn-ea"/>
-              </a:rPr>
-              <a:t>持久化。</a:t>
-            </a:r>
-            <a:endParaRPr lang="en-US" altLang="zh-CN" dirty="0">
-              <a:sym typeface="+mn-ea"/>
-            </a:endParaRPr>
+              <a:t>     将redis.conf配置文件的配置项appendonly设为yes，开启AOF持久化。</a:t>
+            </a:r>
           </a:p>
         </p:txBody>
       </p:sp>
@@ -11210,7 +10544,7 @@
           <p:nvPr/>
         </p:nvPicPr>
         <p:blipFill>
-          <a:blip r:embed="rId6"/>
+          <a:blip r:embed="rId7"/>
           <a:stretch>
             <a:fillRect/>
           </a:stretch>
@@ -11245,6 +10579,7 @@
           <a:bodyPr wrap="square" rtlCol="0" anchor="t">
             <a:spAutoFit/>
           </a:bodyPr>
+          <a:lstStyle/>
           <a:p>
             <a:pPr>
               <a:buClrTx/>
@@ -11292,23 +10627,8 @@
               <a:rPr lang="en-US" altLang="zh-CN" dirty="0">
                 <a:sym typeface="+mn-ea"/>
               </a:rPr>
-              <a:t>2)  </a:t>
-            </a:r>
-            <a:r>
-              <a:rPr lang="en-US" altLang="zh-CN" dirty="0">
-                <a:sym typeface="+mn-ea"/>
-              </a:rPr>
-              <a:t>AOF</a:t>
-            </a:r>
-            <a:r>
-              <a:rPr lang="en-US" altLang="zh-CN" dirty="0">
-                <a:sym typeface="+mn-ea"/>
-              </a:rPr>
-              <a:t>文件路径和名称</a:t>
-            </a:r>
-            <a:endParaRPr lang="en-US" altLang="zh-CN" dirty="0">
-              <a:sym typeface="+mn-ea"/>
-            </a:endParaRPr>
+              <a:t>2)  AOF文件路径和名称</a:t>
+            </a:r>
           </a:p>
         </p:txBody>
       </p:sp>
@@ -11332,6 +10652,7 @@
           <a:bodyPr wrap="square" rtlCol="0" anchor="t">
             <a:spAutoFit/>
           </a:bodyPr>
+          <a:lstStyle/>
           <a:p>
             <a:pPr lvl="0" algn="l">
               <a:buClrTx/>
@@ -11342,65 +10663,8 @@
               <a:rPr lang="en-US" altLang="zh-CN" dirty="0">
                 <a:sym typeface="+mn-ea"/>
               </a:rPr>
-              <a:t>通过修改配置文件</a:t>
-            </a:r>
-            <a:r>
-              <a:rPr lang="en-US" altLang="zh-CN" dirty="0">
-                <a:sym typeface="+mn-ea"/>
-              </a:rPr>
-              <a:t>redis.conf</a:t>
-            </a:r>
-            <a:r>
-              <a:rPr lang="en-US" altLang="zh-CN" dirty="0">
-                <a:sym typeface="+mn-ea"/>
-              </a:rPr>
-              <a:t>实现，</a:t>
-            </a:r>
-            <a:r>
-              <a:rPr lang="en-US" altLang="zh-CN" dirty="0">
-                <a:sym typeface="+mn-ea"/>
-              </a:rPr>
-              <a:t>修改</a:t>
-            </a:r>
-            <a:r>
-              <a:rPr lang="en-US" altLang="zh-CN" dirty="0">
-                <a:sym typeface="+mn-ea"/>
-              </a:rPr>
-              <a:t>dir</a:t>
-            </a:r>
-            <a:r>
-              <a:rPr lang="en-US" altLang="zh-CN" dirty="0">
-                <a:sym typeface="+mn-ea"/>
-              </a:rPr>
-              <a:t>, appendfilename</a:t>
-            </a:r>
-            <a:r>
-              <a:rPr lang="en-US" altLang="zh-CN" dirty="0">
-                <a:sym typeface="+mn-ea"/>
-              </a:rPr>
-              <a:t>对应的配置项</a:t>
-            </a:r>
-            <a:r>
-              <a:rPr lang="en-US" altLang="zh-CN" dirty="0">
-                <a:sym typeface="+mn-ea"/>
-              </a:rPr>
-              <a:t>来修改</a:t>
-            </a:r>
-            <a:r>
-              <a:rPr lang="en-US" altLang="zh-CN" dirty="0">
-                <a:sym typeface="+mn-ea"/>
-              </a:rPr>
-              <a:t>AOF</a:t>
-            </a:r>
-            <a:r>
-              <a:rPr lang="en-US" altLang="zh-CN" dirty="0">
-                <a:sym typeface="+mn-ea"/>
-              </a:rPr>
-              <a:t>文件路径和名称</a:t>
-            </a:r>
-            <a:endParaRPr lang="en-US" altLang="zh-CN" dirty="0">
-              <a:sym typeface="+mn-ea"/>
-            </a:endParaRPr>
+              <a:t>通过修改配置文件redis.conf实现，修改dir, appendfilename对应的配置项来修改AOF文件路径和名称</a:t>
+            </a:r>
           </a:p>
         </p:txBody>
       </p:sp>
@@ -11413,7 +10677,7 @@
           <p:nvPr/>
         </p:nvPicPr>
         <p:blipFill>
-          <a:blip r:embed="rId7"/>
+          <a:blip r:embed="rId8"/>
           <a:stretch>
             <a:fillRect/>
           </a:stretch>
@@ -11903,6 +11167,7 @@
           <a:lstStyle/>
           <a:p>
             <a:pPr algn="ctr"/>
+            <a:endParaRPr/>
           </a:p>
         </p:txBody>
       </p:sp>
@@ -12096,6 +11361,7 @@
           <a:lstStyle/>
           <a:p>
             <a:pPr algn="ctr"/>
+            <a:endParaRPr/>
           </a:p>
         </p:txBody>
       </p:sp>
@@ -12188,9 +11454,6 @@
               </a:rPr>
               <a:t>     在redis.conf配置文件中可以通过appendfsync选项指定写入策略，有三个选项：</a:t>
             </a:r>
-            <a:endParaRPr lang="en-US" altLang="zh-CN" dirty="0">
-              <a:sym typeface="+mn-ea"/>
-            </a:endParaRPr>
           </a:p>
         </p:txBody>
       </p:sp>
@@ -12234,66 +11497,21 @@
                 </a:solidFill>
                 <a:sym typeface="+mn-ea"/>
               </a:rPr>
-              <a:t>a</a:t>
-            </a:r>
-            <a:r>
-              <a:rPr lang="en-US" altLang="zh-CN" dirty="0">
-                <a:solidFill>
-                  <a:srgbClr val="0000FF"/>
-                </a:solidFill>
-                <a:sym typeface="+mn-ea"/>
-              </a:rPr>
-              <a:t>lways</a:t>
+              <a:t>always</a:t>
             </a:r>
             <a:r>
               <a:rPr lang="en-US" altLang="zh-CN" dirty="0">
                 <a:sym typeface="+mn-ea"/>
               </a:rPr>
-              <a:t>，每次收到</a:t>
-            </a:r>
-            <a:r>
-              <a:rPr lang="en-US" altLang="zh-CN" dirty="0">
-                <a:sym typeface="+mn-ea"/>
-              </a:rPr>
-              <a:t>R</a:t>
-            </a:r>
-            <a:r>
-              <a:rPr lang="en-US" altLang="zh-CN" dirty="0">
-                <a:sym typeface="+mn-ea"/>
-              </a:rPr>
-              <a:t>edis</a:t>
-            </a:r>
-            <a:r>
-              <a:rPr lang="en-US" altLang="zh-CN" dirty="0">
-                <a:sym typeface="+mn-ea"/>
-              </a:rPr>
-              <a:t>客户端的写命令就立即强制写入到</a:t>
-            </a:r>
-            <a:r>
-              <a:rPr lang="en-US" altLang="zh-CN" dirty="0">
-                <a:sym typeface="+mn-ea"/>
-              </a:rPr>
-              <a:t>A</a:t>
-            </a:r>
-            <a:r>
-              <a:rPr lang="en-US" altLang="zh-CN" dirty="0">
-                <a:sym typeface="+mn-ea"/>
-              </a:rPr>
-              <a:t>OF</a:t>
-            </a:r>
-            <a:r>
-              <a:rPr lang="en-US" altLang="zh-CN" dirty="0">
-                <a:sym typeface="+mn-ea"/>
-              </a:rPr>
-              <a:t>文件，是最有保证的持久化方式，但是速度也是最慢的，一般不推荐使用。</a:t>
-            </a:r>
-            <a:r>
-              <a:rPr lang="en-US" altLang="zh-CN" dirty="0">
-                <a:sym typeface="+mn-ea"/>
-              </a:rPr>
-              <a:t>-</a:t>
-            </a:r>
+              <a:t>，每次收到Redis客户端的写命令就立即强制写入到AOF文件，是最有保证的持久化方式，但是速度也是最慢的，一般不推荐使用。</a:t>
+            </a:r>
+          </a:p>
+          <a:p>
+            <a:pPr>
+              <a:buClrTx/>
+              <a:buSzTx/>
+              <a:buFontTx/>
+            </a:pPr>
             <a:r>
               <a:rPr lang="en-US" altLang="zh-CN" dirty="0">
                 <a:sym typeface="+mn-ea"/>
@@ -12313,45 +11531,15 @@
               <a:rPr lang="en-US" altLang="zh-CN" dirty="0">
                 <a:sym typeface="+mn-ea"/>
               </a:rPr>
-              <a:t>，</a:t>
-            </a:r>
-            <a:r>
-              <a:rPr lang="en-US" altLang="zh-CN" dirty="0">
-                <a:sym typeface="+mn-ea"/>
-              </a:rPr>
-              <a:t>R</a:t>
-            </a:r>
-            <a:r>
-              <a:rPr lang="en-US" altLang="zh-CN" dirty="0">
-                <a:sym typeface="+mn-ea"/>
-              </a:rPr>
-              <a:t>edis</a:t>
-            </a:r>
-            <a:r>
-              <a:rPr lang="en-US" altLang="zh-CN" dirty="0">
-                <a:sym typeface="+mn-ea"/>
-              </a:rPr>
-              <a:t>客户端的写操作每秒写入</a:t>
-            </a:r>
-            <a:r>
-              <a:rPr lang="en-US" altLang="zh-CN" dirty="0">
-                <a:sym typeface="+mn-ea"/>
-              </a:rPr>
-              <a:t>AOF</a:t>
-            </a:r>
-            <a:r>
-              <a:rPr lang="en-US" altLang="zh-CN" dirty="0">
-                <a:sym typeface="+mn-ea"/>
-              </a:rPr>
-              <a:t>文件一次。在性能和持久化方面做了很好的折中，是受推荐的方式。</a:t>
-            </a:r>
-            <a:r>
-              <a:rPr lang="en-US" altLang="zh-CN" dirty="0">
-                <a:sym typeface="+mn-ea"/>
-              </a:rPr>
-              <a:t>-</a:t>
-            </a:r>
+              <a:t>，Redis客户端的写操作每秒写入AOF文件一次。在性能和持久化方面做了很好的折中，是受推荐的方式。</a:t>
+            </a:r>
+          </a:p>
+          <a:p>
+            <a:pPr>
+              <a:buClrTx/>
+              <a:buSzTx/>
+              <a:buFontTx/>
+            </a:pPr>
             <a:r>
               <a:rPr lang="en-US" altLang="zh-CN" dirty="0">
                 <a:sym typeface="+mn-ea"/>
@@ -12371,41 +11559,8 @@
               <a:rPr lang="en-US" altLang="zh-CN" dirty="0">
                 <a:sym typeface="+mn-ea"/>
               </a:rPr>
-              <a:t>，由操作系统来处理什么时候写入</a:t>
-            </a:r>
-            <a:r>
-              <a:rPr lang="en-US" altLang="zh-CN" dirty="0">
-                <a:sym typeface="+mn-ea"/>
-              </a:rPr>
-              <a:t>AOF</a:t>
-            </a:r>
-            <a:r>
-              <a:rPr lang="en-US" altLang="zh-CN" dirty="0">
-                <a:sym typeface="+mn-ea"/>
-              </a:rPr>
-              <a:t>文件，一般为</a:t>
-            </a:r>
-            <a:r>
-              <a:rPr lang="en-US" altLang="zh-CN" dirty="0">
-                <a:sym typeface="+mn-ea"/>
-              </a:rPr>
-              <a:t>3</a:t>
-            </a:r>
-            <a:r>
-              <a:rPr lang="en-US" altLang="zh-CN" dirty="0">
-                <a:sym typeface="+mn-ea"/>
-              </a:rPr>
-              <a:t>0</a:t>
-            </a:r>
-            <a:r>
-              <a:rPr lang="en-US" altLang="zh-CN" dirty="0">
-                <a:sym typeface="+mn-ea"/>
-              </a:rPr>
-              <a:t>秒左右一次。这个方式性能最好但是持久化方面没有保证，一般不推荐使用。</a:t>
-            </a:r>
-            <a:endParaRPr lang="en-US" altLang="zh-CN" dirty="0">
-              <a:sym typeface="+mn-ea"/>
-            </a:endParaRPr>
+              <a:t>，由操作系统来处理什么时候写入AOF文件，一般为30秒左右一次。这个方式性能最好但是持久化方面没有保证，一般不推荐使用。</a:t>
+            </a:r>
           </a:p>
         </p:txBody>
       </p:sp>
@@ -12440,41 +11595,8 @@
               <a:rPr lang="en-US" altLang="zh-CN" dirty="0">
                 <a:sym typeface="+mn-ea"/>
               </a:rPr>
-              <a:t>在</a:t>
-            </a:r>
-            <a:r>
-              <a:rPr lang="en-US" altLang="zh-CN" dirty="0">
-                <a:sym typeface="+mn-ea"/>
-              </a:rPr>
-              <a:t>redis.conf</a:t>
-            </a:r>
-            <a:r>
-              <a:rPr lang="en-US" altLang="zh-CN" dirty="0">
-                <a:sym typeface="+mn-ea"/>
-              </a:rPr>
-              <a:t>配置文件中</a:t>
-            </a:r>
-            <a:r>
-              <a:rPr lang="en-US" altLang="zh-CN" dirty="0">
-                <a:sym typeface="+mn-ea"/>
-              </a:rPr>
-              <a:t>a</a:t>
-            </a:r>
-            <a:r>
-              <a:rPr lang="en-US" altLang="zh-CN" dirty="0">
-                <a:sym typeface="+mn-ea"/>
-              </a:rPr>
-              <a:t>ppendfsync</a:t>
-            </a:r>
-            <a:r>
-              <a:rPr lang="en-US" altLang="zh-CN" dirty="0">
-                <a:sym typeface="+mn-ea"/>
-              </a:rPr>
-              <a:t>选项的相关配置如下：</a:t>
-            </a:r>
-            <a:endParaRPr lang="en-US" altLang="zh-CN" dirty="0">
-              <a:sym typeface="+mn-ea"/>
-            </a:endParaRPr>
+              <a:t>在redis.conf配置文件中appendfsync选项的相关配置如下：</a:t>
+            </a:r>
           </a:p>
         </p:txBody>
       </p:sp>
@@ -12487,7 +11609,7 @@
           <p:nvPr/>
         </p:nvPicPr>
         <p:blipFill>
-          <a:blip r:embed="rId6"/>
+          <a:blip r:embed="rId7"/>
           <a:stretch>
             <a:fillRect/>
           </a:stretch>
@@ -12977,6 +12099,7 @@
           <a:lstStyle/>
           <a:p>
             <a:pPr algn="ctr"/>
+            <a:endParaRPr/>
           </a:p>
         </p:txBody>
       </p:sp>
@@ -13170,6 +12293,7 @@
           <a:lstStyle/>
           <a:p>
             <a:pPr algn="ctr"/>
+            <a:endParaRPr/>
           </a:p>
         </p:txBody>
       </p:sp>
@@ -13262,9 +12386,6 @@
               </a:rPr>
               <a:t>     随着写操作的不断增加，AOF文件会越来越大，Redis可以在不中断服务的情况下在后台重建AOF文件：</a:t>
             </a:r>
-            <a:endParaRPr lang="en-US" altLang="zh-CN" dirty="0">
-              <a:sym typeface="+mn-ea"/>
-            </a:endParaRPr>
           </a:p>
         </p:txBody>
       </p:sp>
@@ -13301,9 +12422,6 @@
               </a:rPr>
               <a:t>日志重写的工作原理如下：</a:t>
             </a:r>
-            <a:endParaRPr lang="en-US" altLang="zh-CN" dirty="0">
-              <a:sym typeface="+mn-ea"/>
-            </a:endParaRPr>
           </a:p>
         </p:txBody>
       </p:sp>
@@ -13338,188 +12456,47 @@
               <a:rPr lang="en-US" altLang="zh-CN" dirty="0">
                 <a:sym typeface="+mn-ea"/>
               </a:rPr>
-              <a:t>1. </a:t>
-            </a:r>
+              <a:t>1. Redis调用fork()函数，产生一个子进程。</a:t>
+            </a:r>
+          </a:p>
+          <a:p>
+            <a:pPr>
+              <a:buClrTx/>
+              <a:buSzTx/>
+              <a:buFontTx/>
+            </a:pPr>
             <a:r>
               <a:rPr lang="en-US" altLang="zh-CN" dirty="0">
                 <a:sym typeface="+mn-ea"/>
               </a:rPr>
-              <a:t>Redis</a:t>
-            </a:r>
+              <a:t>2. 子进程把新的AOF文件写到一个临时文件里。</a:t>
+            </a:r>
+          </a:p>
+          <a:p>
+            <a:pPr>
+              <a:buClrTx/>
+              <a:buSzTx/>
+              <a:buFontTx/>
+            </a:pPr>
             <a:r>
               <a:rPr lang="en-US" altLang="zh-CN" dirty="0">
                 <a:sym typeface="+mn-ea"/>
               </a:rPr>
-              <a:t>调用</a:t>
-            </a:r>
+              <a:t>3. 主进程持续把新的变动写到内存里的buffer(缓冲区)，同时也会把这些新的变动写到旧的AOF文件里，这样即使重写失败也能保证数据的安全。</a:t>
+            </a:r>
+          </a:p>
+          <a:p>
+            <a:pPr>
+              <a:buClrTx/>
+              <a:buSzTx/>
+              <a:buFontTx/>
+            </a:pPr>
             <a:r>
               <a:rPr lang="en-US" altLang="zh-CN" dirty="0">
                 <a:sym typeface="+mn-ea"/>
               </a:rPr>
-              <a:t>fork()</a:t>
-            </a:r>
-            <a:r>
-              <a:rPr lang="en-US" altLang="zh-CN" dirty="0">
-                <a:sym typeface="+mn-ea"/>
-              </a:rPr>
-              <a:t>函数，产生一个子进程。</a:t>
-            </a:r>
-            <a:r>
-              <a:rPr lang="en-US" altLang="zh-CN" dirty="0">
-                <a:sym typeface="+mn-ea"/>
-              </a:rPr>
-              <a:t>-</a:t>
-            </a:r>
-            <a:r>
-              <a:rPr lang="en-US" altLang="zh-CN" dirty="0">
-                <a:sym typeface="+mn-ea"/>
-              </a:rPr>
-              <a:t>2. </a:t>
-            </a:r>
-            <a:r>
-              <a:rPr lang="en-US" altLang="zh-CN" dirty="0">
-                <a:sym typeface="+mn-ea"/>
-              </a:rPr>
-              <a:t>子进程把新的</a:t>
-            </a:r>
-            <a:r>
-              <a:rPr lang="en-US" altLang="zh-CN" dirty="0">
-                <a:sym typeface="+mn-ea"/>
-              </a:rPr>
-              <a:t>AOF</a:t>
-            </a:r>
-            <a:r>
-              <a:rPr lang="en-US" altLang="zh-CN" dirty="0">
-                <a:sym typeface="+mn-ea"/>
-              </a:rPr>
-              <a:t>文件写到一个临时文件里。</a:t>
-            </a:r>
-            <a:r>
-              <a:rPr lang="en-US" altLang="zh-CN" dirty="0">
-                <a:sym typeface="+mn-ea"/>
-              </a:rPr>
-              <a:t>-</a:t>
-            </a:r>
-            <a:r>
-              <a:rPr lang="en-US" altLang="zh-CN" dirty="0">
-                <a:sym typeface="+mn-ea"/>
-              </a:rPr>
-              <a:t>3. </a:t>
-            </a:r>
-            <a:r>
-              <a:rPr lang="en-US" altLang="zh-CN" dirty="0">
-                <a:sym typeface="+mn-ea"/>
-              </a:rPr>
-              <a:t>主进程持续把新的变动写到内存里的</a:t>
-            </a:r>
-            <a:r>
-              <a:rPr lang="en-US" altLang="zh-CN" dirty="0">
-                <a:sym typeface="+mn-ea"/>
-              </a:rPr>
-              <a:t>buffer</a:t>
-            </a:r>
-            <a:r>
-              <a:rPr lang="en-US" altLang="zh-CN" dirty="0">
-                <a:sym typeface="+mn-ea"/>
-              </a:rPr>
-              <a:t>(</a:t>
-            </a:r>
-            <a:r>
-              <a:rPr lang="en-US" altLang="zh-CN" dirty="0">
-                <a:sym typeface="+mn-ea"/>
-              </a:rPr>
-              <a:t>缓冲区</a:t>
-            </a:r>
-            <a:r>
-              <a:rPr lang="en-US" altLang="zh-CN" dirty="0">
-                <a:sym typeface="+mn-ea"/>
-              </a:rPr>
-              <a:t>)</a:t>
-            </a:r>
-            <a:r>
-              <a:rPr lang="en-US" altLang="zh-CN" dirty="0">
-                <a:sym typeface="+mn-ea"/>
-              </a:rPr>
-              <a:t>，同时也会把这些新的变动写到旧的</a:t>
-            </a:r>
-            <a:r>
-              <a:rPr lang="en-US" altLang="zh-CN" dirty="0">
-                <a:sym typeface="+mn-ea"/>
-              </a:rPr>
-              <a:t>AOF</a:t>
-            </a:r>
-            <a:r>
-              <a:rPr lang="en-US" altLang="zh-CN" dirty="0">
-                <a:sym typeface="+mn-ea"/>
-              </a:rPr>
-              <a:t>文件里，这样即使重写失败也能保证数据的安全。</a:t>
-            </a:r>
-            <a:r>
-              <a:rPr lang="en-US" altLang="zh-CN" dirty="0">
-                <a:sym typeface="+mn-ea"/>
-              </a:rPr>
-              <a:t>-</a:t>
-            </a:r>
-            <a:r>
-              <a:rPr lang="en-US" altLang="zh-CN" dirty="0">
-                <a:sym typeface="+mn-ea"/>
-              </a:rPr>
-              <a:t>4. </a:t>
-            </a:r>
-            <a:r>
-              <a:rPr lang="en-US" altLang="zh-CN" dirty="0">
-                <a:sym typeface="+mn-ea"/>
-              </a:rPr>
-              <a:t>当子进程完成文件的重写后，主进程会获得一个信号，然后把内存里的</a:t>
-            </a:r>
-            <a:r>
-              <a:rPr lang="en-US" altLang="zh-CN" dirty="0">
-                <a:sym typeface="+mn-ea"/>
-              </a:rPr>
-              <a:t>buffer</a:t>
-            </a:r>
-            <a:r>
-              <a:rPr lang="en-US" altLang="zh-CN" dirty="0">
-                <a:sym typeface="+mn-ea"/>
-              </a:rPr>
-              <a:t>(</a:t>
-            </a:r>
-            <a:r>
-              <a:rPr lang="en-US" altLang="zh-CN" dirty="0">
-                <a:sym typeface="+mn-ea"/>
-              </a:rPr>
-              <a:t>缓冲区</a:t>
-            </a:r>
-            <a:r>
-              <a:rPr lang="en-US" altLang="zh-CN" dirty="0">
-                <a:sym typeface="+mn-ea"/>
-              </a:rPr>
-              <a:t>)</a:t>
-            </a:r>
-            <a:r>
-              <a:rPr lang="en-US" altLang="zh-CN" dirty="0">
-                <a:sym typeface="+mn-ea"/>
-              </a:rPr>
-              <a:t>追加到子进程生成的那个新</a:t>
-            </a:r>
-            <a:r>
-              <a:rPr lang="en-US" altLang="zh-CN" dirty="0">
-                <a:sym typeface="+mn-ea"/>
-              </a:rPr>
-              <a:t>AOF</a:t>
-            </a:r>
-            <a:r>
-              <a:rPr lang="en-US" altLang="zh-CN" dirty="0">
-                <a:sym typeface="+mn-ea"/>
-              </a:rPr>
-              <a:t>文件里。</a:t>
-            </a:r>
-            <a:endParaRPr lang="en-US" altLang="zh-CN" dirty="0">
-              <a:sym typeface="+mn-ea"/>
-            </a:endParaRPr>
+              <a:t>4. 当子进程完成文件的重写后，主进程会获得一个信号，然后把内存里的buffer(缓冲区)追加到子进程生成的那个新AOF文件里。</a:t>
+            </a:r>
           </a:p>
         </p:txBody>
       </p:sp>
@@ -13554,101 +12531,8 @@
               <a:rPr lang="en-US" altLang="zh-CN" dirty="0">
                 <a:sym typeface="+mn-ea"/>
               </a:rPr>
-              <a:t>我们可以通过配置设置日志重写的条件，表示当</a:t>
-            </a:r>
-            <a:r>
-              <a:rPr lang="en-US" altLang="zh-CN" dirty="0">
-                <a:sym typeface="+mn-ea"/>
-              </a:rPr>
-              <a:t>AOF</a:t>
-            </a:r>
-            <a:r>
-              <a:rPr lang="en-US" altLang="zh-CN" dirty="0">
-                <a:sym typeface="+mn-ea"/>
-              </a:rPr>
-              <a:t>文件的体积大于</a:t>
-            </a:r>
-            <a:r>
-              <a:rPr lang="en-US" altLang="zh-CN" dirty="0">
-                <a:sym typeface="+mn-ea"/>
-              </a:rPr>
-              <a:t>6</a:t>
-            </a:r>
-            <a:r>
-              <a:rPr lang="en-US" altLang="zh-CN" dirty="0">
-                <a:sym typeface="+mn-ea"/>
-              </a:rPr>
-              <a:t>4 MB</a:t>
-            </a:r>
-            <a:r>
-              <a:rPr lang="en-US" altLang="zh-CN" dirty="0">
-                <a:sym typeface="+mn-ea"/>
-              </a:rPr>
-              <a:t>，并且</a:t>
-            </a:r>
-            <a:r>
-              <a:rPr lang="en-US" altLang="zh-CN" dirty="0">
-                <a:sym typeface="+mn-ea"/>
-              </a:rPr>
-              <a:t>AOF</a:t>
-            </a:r>
-            <a:r>
-              <a:rPr lang="en-US" altLang="zh-CN" dirty="0">
-                <a:sym typeface="+mn-ea"/>
-              </a:rPr>
-              <a:t>文件的体积比上一次重写之后的体积大了至少一倍</a:t>
-            </a:r>
-            <a:r>
-              <a:rPr lang="en-US" altLang="zh-CN" dirty="0">
-                <a:sym typeface="+mn-ea"/>
-              </a:rPr>
-              <a:t>(</a:t>
-            </a:r>
-            <a:r>
-              <a:rPr lang="en-US" altLang="zh-CN" dirty="0">
-                <a:sym typeface="+mn-ea"/>
-              </a:rPr>
-              <a:t>100</a:t>
-            </a:r>
-            <a:r>
-              <a:rPr lang="en-US" altLang="zh-CN" dirty="0">
-                <a:sym typeface="+mn-ea"/>
-              </a:rPr>
-              <a:t>%</a:t>
-            </a:r>
-            <a:r>
-              <a:rPr lang="en-US" altLang="zh-CN" dirty="0">
-                <a:sym typeface="+mn-ea"/>
-              </a:rPr>
-              <a:t>)</a:t>
-            </a:r>
-            <a:r>
-              <a:rPr lang="en-US" altLang="zh-CN" dirty="0">
-                <a:sym typeface="+mn-ea"/>
-              </a:rPr>
-              <a:t>的时候，</a:t>
-            </a:r>
-            <a:r>
-              <a:rPr lang="en-US" altLang="zh-CN" dirty="0">
-                <a:sym typeface="+mn-ea"/>
-              </a:rPr>
-              <a:t>R</a:t>
-            </a:r>
-            <a:r>
-              <a:rPr lang="en-US" altLang="zh-CN" dirty="0">
-                <a:sym typeface="+mn-ea"/>
-              </a:rPr>
-              <a:t>edis</a:t>
-            </a:r>
-            <a:r>
-              <a:rPr lang="en-US" altLang="zh-CN" dirty="0">
-                <a:sym typeface="+mn-ea"/>
-              </a:rPr>
-              <a:t>将执行日志重写操作</a:t>
-            </a:r>
-            <a:endParaRPr lang="en-US" altLang="zh-CN" dirty="0">
-              <a:sym typeface="+mn-ea"/>
-            </a:endParaRPr>
+              <a:t>我们可以通过配置设置日志重写的条件，表示当AOF文件的体积大于64 MB，并且AOF文件的体积比上一次重写之后的体积大了至少一倍(100%)的时候，Redis将执行日志重写操作</a:t>
+            </a:r>
           </a:p>
         </p:txBody>
       </p:sp>
@@ -13661,7 +12545,7 @@
           <p:nvPr/>
         </p:nvPicPr>
         <p:blipFill>
-          <a:blip r:embed="rId6"/>
+          <a:blip r:embed="rId7"/>
           <a:stretch>
             <a:fillRect/>
           </a:stretch>
@@ -13707,41 +12591,8 @@
               <a:rPr lang="en-US" altLang="zh-CN" dirty="0">
                 <a:sym typeface="+mn-ea"/>
               </a:rPr>
-              <a:t> </a:t>
-            </a:r>
-            <a:r>
-              <a:rPr lang="en-US" altLang="zh-CN" dirty="0">
-                <a:sym typeface="+mn-ea"/>
-              </a:rPr>
-              <a:t>Redis</a:t>
-            </a:r>
-            <a:r>
-              <a:rPr lang="en-US" altLang="zh-CN" dirty="0">
-                <a:sym typeface="+mn-ea"/>
-              </a:rPr>
-              <a:t>会记住自从上一次重写后</a:t>
-            </a:r>
-            <a:r>
-              <a:rPr lang="en-US" altLang="zh-CN" dirty="0">
-                <a:sym typeface="+mn-ea"/>
-              </a:rPr>
-              <a:t>AOF</a:t>
-            </a:r>
-            <a:r>
-              <a:rPr lang="en-US" altLang="zh-CN" dirty="0">
-                <a:sym typeface="+mn-ea"/>
-              </a:rPr>
-              <a:t>文件的大小。要禁用自动的日志重写功能，可以把百分比设置为</a:t>
-            </a:r>
-            <a:r>
-              <a:rPr lang="en-US" altLang="zh-CN" dirty="0">
-                <a:sym typeface="+mn-ea"/>
-              </a:rPr>
-              <a:t>0</a:t>
-            </a:r>
-            <a:endParaRPr lang="en-US" altLang="zh-CN" dirty="0">
-              <a:sym typeface="+mn-ea"/>
-            </a:endParaRPr>
+              <a:t> Redis会记住自从上一次重写后AOF文件的大小。要禁用自动的日志重写功能，可以把百分比设置为0</a:t>
+            </a:r>
           </a:p>
         </p:txBody>
       </p:sp>
@@ -13754,7 +12605,7 @@
           <p:nvPr/>
         </p:nvPicPr>
         <p:blipFill>
-          <a:blip r:embed="rId7"/>
+          <a:blip r:embed="rId8"/>
           <a:stretch>
             <a:fillRect/>
           </a:stretch>
@@ -14244,6 +13095,7 @@
           <a:lstStyle/>
           <a:p>
             <a:pPr algn="ctr"/>
+            <a:endParaRPr/>
           </a:p>
         </p:txBody>
       </p:sp>
@@ -14437,6 +13289,7 @@
           <a:lstStyle/>
           <a:p>
             <a:pPr algn="ctr"/>
+            <a:endParaRPr/>
           </a:p>
         </p:txBody>
       </p:sp>
@@ -14513,9 +13366,6 @@
               </a:rPr>
               <a:t>数据损坏修复</a:t>
             </a:r>
-            <a:endParaRPr lang="zh-CN" altLang="en-US" dirty="0">
-              <a:sym typeface="+mn-ea"/>
-            </a:endParaRPr>
           </a:p>
           <a:p>
             <a:pPr>
@@ -14529,9 +13379,6 @@
               </a:rPr>
               <a:t>     如果因为某些原因（例如服务器崩溃）AOF文件损坏了，导致Redis加载不了，可以通过以下方式进行修复</a:t>
             </a:r>
-            <a:endParaRPr lang="en-US" altLang="zh-CN" dirty="0">
-              <a:sym typeface="+mn-ea"/>
-            </a:endParaRPr>
           </a:p>
         </p:txBody>
       </p:sp>
@@ -14566,66 +13413,21 @@
               <a:rPr lang="en-US" altLang="zh-CN" dirty="0">
                 <a:sym typeface="+mn-ea"/>
               </a:rPr>
-              <a:t>1. </a:t>
-            </a:r>
+              <a:t>1. 备份AOF文件。</a:t>
+            </a:r>
+          </a:p>
+          <a:p>
+            <a:pPr>
+              <a:buClrTx/>
+              <a:buSzTx/>
+              <a:buFontTx/>
+            </a:pPr>
             <a:r>
               <a:rPr lang="en-US" altLang="zh-CN" dirty="0">
                 <a:sym typeface="+mn-ea"/>
               </a:rPr>
-              <a:t>备份</a:t>
-            </a:r>
-            <a:r>
-              <a:rPr lang="en-US" altLang="zh-CN" dirty="0">
-                <a:sym typeface="+mn-ea"/>
-              </a:rPr>
-              <a:t>AOF</a:t>
-            </a:r>
-            <a:r>
-              <a:rPr lang="en-US" altLang="zh-CN" dirty="0">
-                <a:sym typeface="+mn-ea"/>
-              </a:rPr>
-              <a:t>文件。-</a:t>
-            </a:r>
-            <a:r>
-              <a:rPr lang="en-US" altLang="zh-CN" dirty="0">
-                <a:sym typeface="+mn-ea"/>
-              </a:rPr>
-              <a:t>2. </a:t>
-            </a:r>
-            <a:r>
-              <a:rPr lang="en-US" altLang="zh-CN" dirty="0">
-                <a:sym typeface="+mn-ea"/>
-              </a:rPr>
-              <a:t>使用</a:t>
-            </a:r>
-            <a:r>
-              <a:rPr lang="en-US" altLang="zh-CN" dirty="0">
-                <a:sym typeface="+mn-ea"/>
-              </a:rPr>
-              <a:t>redis-check-aof</a:t>
-            </a:r>
-            <a:r>
-              <a:rPr lang="en-US" altLang="zh-CN" dirty="0">
-                <a:sym typeface="+mn-ea"/>
-              </a:rPr>
-              <a:t>命令修复原始的</a:t>
-            </a:r>
-            <a:r>
-              <a:rPr lang="en-US" altLang="zh-CN" dirty="0">
-                <a:sym typeface="+mn-ea"/>
-              </a:rPr>
-              <a:t>AOF</a:t>
-            </a:r>
-            <a:r>
-              <a:rPr lang="en-US" altLang="zh-CN" dirty="0">
-                <a:sym typeface="+mn-ea"/>
-              </a:rPr>
-              <a:t>文件：</a:t>
-            </a:r>
-            <a:endParaRPr lang="en-US" altLang="zh-CN" dirty="0">
-              <a:sym typeface="+mn-ea"/>
-            </a:endParaRPr>
+              <a:t>2. 使用redis-check-aof命令修复原始的AOF文件：</a:t>
+            </a:r>
           </a:p>
         </p:txBody>
       </p:sp>
@@ -14638,7 +13440,7 @@
           <p:nvPr/>
         </p:nvPicPr>
         <p:blipFill>
-          <a:blip r:embed="rId6"/>
+          <a:blip r:embed="rId7"/>
           <a:stretch>
             <a:fillRect/>
           </a:stretch>
@@ -14684,90 +13486,21 @@
               <a:rPr lang="en-US" altLang="zh-CN" dirty="0">
                 <a:sym typeface="+mn-ea"/>
               </a:rPr>
-              <a:t>1. </a:t>
-            </a:r>
+              <a:t>1. 在Linux系统下可以使用diff -u命令看下两个文件的差异。</a:t>
+            </a:r>
+          </a:p>
+          <a:p>
+            <a:pPr lvl="0" algn="l">
+              <a:buClrTx/>
+              <a:buSzTx/>
+              <a:buFontTx/>
+            </a:pPr>
             <a:r>
               <a:rPr lang="en-US" altLang="zh-CN" dirty="0">
                 <a:sym typeface="+mn-ea"/>
               </a:rPr>
-              <a:t>在</a:t>
-            </a:r>
-            <a:r>
-              <a:rPr lang="en-US" altLang="zh-CN" dirty="0">
-                <a:sym typeface="+mn-ea"/>
-              </a:rPr>
-              <a:t>Linux</a:t>
-            </a:r>
-            <a:r>
-              <a:rPr lang="en-US" altLang="zh-CN" dirty="0">
-                <a:sym typeface="+mn-ea"/>
-              </a:rPr>
-              <a:t>系统下</a:t>
-            </a:r>
-            <a:r>
-              <a:rPr lang="en-US" altLang="zh-CN" dirty="0">
-                <a:sym typeface="+mn-ea"/>
-              </a:rPr>
-              <a:t>可以使用</a:t>
-            </a:r>
-            <a:r>
-              <a:rPr lang="en-US" altLang="zh-CN" dirty="0">
-                <a:sym typeface="+mn-ea"/>
-              </a:rPr>
-              <a:t>diff -u</a:t>
-            </a:r>
-            <a:r>
-              <a:rPr lang="en-US" altLang="zh-CN" dirty="0">
-                <a:sym typeface="+mn-ea"/>
-              </a:rPr>
-              <a:t>命令看下两个文件的差异。</a:t>
-            </a:r>
-            <a:r>
-              <a:rPr lang="en-US" altLang="zh-CN" dirty="0">
-                <a:sym typeface="+mn-ea"/>
-              </a:rPr>
-              <a:t>-</a:t>
-            </a:r>
-            <a:r>
-              <a:rPr lang="en-US" altLang="zh-CN" dirty="0">
-                <a:sym typeface="+mn-ea"/>
-              </a:rPr>
-              <a:t>2. </a:t>
-            </a:r>
-            <a:r>
-              <a:rPr lang="en-US" altLang="zh-CN" dirty="0">
-                <a:sym typeface="+mn-ea"/>
-              </a:rPr>
-              <a:t>使用修复过的</a:t>
-            </a:r>
-            <a:r>
-              <a:rPr lang="en-US" altLang="zh-CN" dirty="0">
-                <a:sym typeface="+mn-ea"/>
-              </a:rPr>
-              <a:t>AOF</a:t>
-            </a:r>
-            <a:r>
-              <a:rPr lang="en-US" altLang="zh-CN" dirty="0">
-                <a:sym typeface="+mn-ea"/>
-              </a:rPr>
-              <a:t>文件重启</a:t>
-            </a:r>
-            <a:r>
-              <a:rPr lang="en-US" altLang="zh-CN" dirty="0">
-                <a:sym typeface="+mn-ea"/>
-              </a:rPr>
-              <a:t>Redis</a:t>
-            </a:r>
-            <a:r>
-              <a:rPr lang="en-US" altLang="zh-CN" dirty="0">
-                <a:sym typeface="+mn-ea"/>
-              </a:rPr>
-              <a:t>服务。</a:t>
-            </a:r>
-            <a:endParaRPr lang="en-US" altLang="zh-CN" dirty="0">
-              <a:sym typeface="+mn-ea"/>
-            </a:endParaRPr>
+              <a:t>2. 使用修复过的AOF文件重启Redis服务。</a:t>
+            </a:r>
           </a:p>
         </p:txBody>
       </p:sp>
@@ -15246,6 +13979,7 @@
           <a:lstStyle/>
           <a:p>
             <a:pPr algn="ctr"/>
+            <a:endParaRPr/>
           </a:p>
         </p:txBody>
       </p:sp>
@@ -15439,6 +14173,7 @@
           <a:lstStyle/>
           <a:p>
             <a:pPr algn="ctr"/>
+            <a:endParaRPr/>
           </a:p>
         </p:txBody>
       </p:sp>
@@ -15515,9 +14250,6 @@
               </a:rPr>
               <a:t>从RDB切换到AOF</a:t>
             </a:r>
-            <a:endParaRPr lang="zh-CN" altLang="en-US" dirty="0">
-              <a:sym typeface="+mn-ea"/>
-            </a:endParaRPr>
           </a:p>
           <a:p>
             <a:pPr>
@@ -15531,9 +14263,6 @@
               </a:rPr>
               <a:t>     在Redis 2.2以后的版本，从RDB切换到AOF，需要备份一个最新的dump.rdb的文件，并把备份文件放在一个安全的地方。运行以下两条命令：</a:t>
             </a:r>
-            <a:endParaRPr lang="en-US" altLang="zh-CN" dirty="0">
-              <a:sym typeface="+mn-ea"/>
-            </a:endParaRPr>
           </a:p>
         </p:txBody>
       </p:sp>
@@ -15546,7 +14275,7 @@
           <p:nvPr/>
         </p:nvPicPr>
         <p:blipFill>
-          <a:blip r:embed="rId6"/>
+          <a:blip r:embed="rId7"/>
           <a:stretch>
             <a:fillRect/>
           </a:stretch>
@@ -15592,23 +14321,8 @@
               <a:rPr lang="en-US" altLang="zh-CN" dirty="0">
                 <a:sym typeface="+mn-ea"/>
               </a:rPr>
-              <a:t>要确保数据跟切换前一致。确保数据正确的写到</a:t>
-            </a:r>
-            <a:r>
-              <a:rPr lang="en-US" altLang="zh-CN" dirty="0">
-                <a:sym typeface="+mn-ea"/>
-              </a:rPr>
-              <a:t>AOF</a:t>
-            </a:r>
-            <a:r>
-              <a:rPr lang="en-US" altLang="zh-CN" dirty="0">
-                <a:sym typeface="+mn-ea"/>
-              </a:rPr>
-              <a:t>文件里</a:t>
-            </a:r>
-            <a:endParaRPr lang="en-US" altLang="zh-CN" dirty="0">
-              <a:sym typeface="+mn-ea"/>
-            </a:endParaRPr>
+              <a:t>要确保数据跟切换前一致。确保数据正确的写到AOF文件里</a:t>
+            </a:r>
           </a:p>
         </p:txBody>
       </p:sp>
@@ -15632,6 +14346,7 @@
           <a:bodyPr wrap="none" rtlCol="0" anchor="t">
             <a:spAutoFit/>
           </a:bodyPr>
+          <a:lstStyle/>
           <a:p>
             <a:pPr>
               <a:buClrTx/>
@@ -15650,9 +14365,6 @@
               </a:rPr>
               <a:t>备份</a:t>
             </a:r>
-            <a:endParaRPr lang="zh-CN" altLang="en-US" dirty="0">
-              <a:sym typeface="+mn-ea"/>
-            </a:endParaRPr>
           </a:p>
         </p:txBody>
       </p:sp>
@@ -15676,6 +14388,7 @@
           <a:bodyPr wrap="none" rtlCol="0" anchor="t">
             <a:spAutoFit/>
           </a:bodyPr>
+          <a:lstStyle/>
           <a:p>
             <a:pPr>
               <a:buClrTx/>
@@ -15688,9 +14401,6 @@
               </a:rPr>
               <a:t>建议的备份方法：</a:t>
             </a:r>
-            <a:endParaRPr lang="en-US" altLang="zh-CN" dirty="0">
-              <a:sym typeface="+mn-ea"/>
-            </a:endParaRPr>
           </a:p>
         </p:txBody>
       </p:sp>
@@ -15714,6 +14424,7 @@
           <a:bodyPr wrap="square" rtlCol="0" anchor="t">
             <a:spAutoFit/>
           </a:bodyPr>
+          <a:lstStyle/>
           <a:p>
             <a:pPr lvl="0" algn="l">
               <a:buClrTx/>
@@ -15724,79 +14435,34 @@
               <a:rPr lang="en-US" altLang="zh-CN" dirty="0">
                 <a:sym typeface="+mn-ea"/>
               </a:rPr>
-              <a:t>1. </a:t>
-            </a:r>
+              <a:t>1. 创建一个定时任务，每小时和每天创建一个快照，保存在不同的文件夹里。</a:t>
+            </a:r>
+          </a:p>
+          <a:p>
+            <a:pPr lvl="0" algn="l">
+              <a:buClrTx/>
+              <a:buSzTx/>
+              <a:buFontTx/>
+            </a:pPr>
             <a:r>
               <a:rPr lang="en-US" altLang="zh-CN" dirty="0">
                 <a:sym typeface="+mn-ea"/>
               </a:rPr>
-              <a:t>创建一个定时任务，每小时和每天创建一个快照，保存在不同的文件夹里。</a:t>
-            </a:r>
+              <a:t>2. 定时任务运行时，把太旧的文件进行删除。例如只保留48小时内的按小时创建的快照和一到两个月的按天创建的快照。</a:t>
+            </a:r>
+          </a:p>
+          <a:p>
+            <a:pPr lvl="0" algn="l">
+              <a:buClrTx/>
+              <a:buSzTx/>
+              <a:buFontTx/>
+            </a:pPr>
             <a:r>
               <a:rPr lang="en-US" altLang="zh-CN" dirty="0">
                 <a:sym typeface="+mn-ea"/>
               </a:rPr>
-              <a:t>-</a:t>
-            </a:r>
-            <a:r>
-              <a:rPr lang="en-US" altLang="zh-CN" dirty="0">
-                <a:sym typeface="+mn-ea"/>
-              </a:rPr>
-              <a:t>2. </a:t>
-            </a:r>
-            <a:r>
-              <a:rPr lang="en-US" altLang="zh-CN" dirty="0">
-                <a:sym typeface="+mn-ea"/>
-              </a:rPr>
-              <a:t>定时任务运行时，把太旧的文件进行删除。例如只保留</a:t>
-            </a:r>
-            <a:r>
-              <a:rPr lang="en-US" altLang="zh-CN" dirty="0">
-                <a:sym typeface="+mn-ea"/>
-              </a:rPr>
-              <a:t>48</a:t>
-            </a:r>
-            <a:r>
-              <a:rPr lang="en-US" altLang="zh-CN" dirty="0">
-                <a:sym typeface="+mn-ea"/>
-              </a:rPr>
-              <a:t>小时内的按小时创建的快照和一到两个月的按天创建的快照。</a:t>
-            </a:r>
-            <a:r>
-              <a:rPr lang="en-US" altLang="zh-CN" dirty="0">
-                <a:sym typeface="+mn-ea"/>
-              </a:rPr>
-              <a:t>-</a:t>
-            </a:r>
-            <a:r>
-              <a:rPr lang="en-US" altLang="zh-CN" dirty="0">
-                <a:sym typeface="+mn-ea"/>
-              </a:rPr>
-              <a:t>3. </a:t>
-            </a:r>
-            <a:r>
-              <a:rPr lang="en-US" altLang="zh-CN" dirty="0">
-                <a:sym typeface="+mn-ea"/>
-              </a:rPr>
-              <a:t>每天确保一次把快照文件传输到数据中心外的地方进行保存，至少不能保存在</a:t>
-            </a:r>
-            <a:r>
-              <a:rPr lang="en-US" altLang="zh-CN" dirty="0">
-                <a:sym typeface="+mn-ea"/>
-              </a:rPr>
-              <a:t>Redis</a:t>
-            </a:r>
-            <a:r>
-              <a:rPr lang="en-US" altLang="zh-CN" dirty="0">
-                <a:sym typeface="+mn-ea"/>
-              </a:rPr>
-              <a:t>服务所在的服务器。</a:t>
-            </a:r>
-            <a:endParaRPr lang="en-US" altLang="zh-CN" dirty="0">
-              <a:sym typeface="+mn-ea"/>
-            </a:endParaRPr>
+              <a:t>3. 每天确保一次把快照文件传输到数据中心外的地方进行保存，至少不能保存在Redis服务所在的服务器。</a:t>
+            </a:r>
           </a:p>
         </p:txBody>
       </p:sp>
@@ -15820,6 +14486,7 @@
           <a:bodyPr wrap="none" rtlCol="0" anchor="t">
             <a:spAutoFit/>
           </a:bodyPr>
+          <a:lstStyle/>
           <a:p>
             <a:r>
               <a:rPr lang="en-US" altLang="zh-CN" dirty="0">
@@ -16022,11 +14689,6 @@
               </a:rPr>
               <a:t>内容导航：</a:t>
             </a:r>
-            <a:endParaRPr lang="zh-CN" altLang="en-US" sz="2800" b="1" dirty="0">
-              <a:solidFill>
-                <a:schemeClr val="bg1"/>
-              </a:solidFill>
-            </a:endParaRPr>
           </a:p>
         </p:txBody>
       </p:sp>
@@ -16061,19 +14723,8 @@
                 <a:latin typeface="+mj-ea"/>
                 <a:sym typeface="+mn-ea"/>
               </a:rPr>
-              <a:t>5.1 </a:t>
-            </a:r>
-            <a:r>
-              <a:rPr lang="en-US" altLang="zh-CN" sz="2400" dirty="0" smtClean="0">
-                <a:latin typeface="+mj-ea"/>
-                <a:sym typeface="+mn-ea"/>
-              </a:rPr>
-              <a:t>持久化机制</a:t>
-            </a:r>
-            <a:endParaRPr lang="en-US" altLang="zh-CN" sz="2400" dirty="0" smtClean="0">
-              <a:latin typeface="+mj-ea"/>
-              <a:sym typeface="+mn-ea"/>
-            </a:endParaRPr>
+              <a:t>5.1 持久化机制</a:t>
+            </a:r>
           </a:p>
         </p:txBody>
       </p:sp>
@@ -16143,12 +14794,6 @@
               </a:rPr>
               <a:t>清除策略</a:t>
             </a:r>
-            <a:endParaRPr lang="zh-CN" altLang="en-US" sz="2400" dirty="0" smtClean="0">
-              <a:solidFill>
-                <a:srgbClr val="0000FF"/>
-              </a:solidFill>
-              <a:latin typeface="+mj-ea"/>
-            </a:endParaRPr>
           </a:p>
         </p:txBody>
       </p:sp>
@@ -16213,11 +14858,6 @@
               </a:rPr>
               <a:t>缓存持久化</a:t>
             </a:r>
-            <a:endParaRPr lang="zh-CN" altLang="en-US" sz="3600" dirty="0" smtClean="0">
-              <a:solidFill>
-                <a:srgbClr val="000000"/>
-              </a:solidFill>
-            </a:endParaRPr>
           </a:p>
         </p:txBody>
       </p:sp>
@@ -16299,15 +14939,7 @@
                   <a:srgbClr val="002060"/>
                 </a:solidFill>
               </a:rPr>
-              <a:t>主审</a:t>
-            </a:r>
-            <a:r>
-              <a:rPr lang="zh-CN" altLang="en-US" sz="2400" dirty="0">
-                <a:solidFill>
-                  <a:srgbClr val="002060"/>
-                </a:solidFill>
-              </a:rPr>
-              <a:t>： ***</a:t>
+              <a:t>主审： ***</a:t>
             </a:r>
             <a:endParaRPr lang="en-US" altLang="zh-CN" sz="2400" dirty="0">
               <a:solidFill>
@@ -16554,7 +15186,7 @@
           <p:nvPr/>
         </p:nvPicPr>
         <p:blipFill>
-          <a:blip r:embed="rId1" cstate="print">
+          <a:blip r:embed="rId2" cstate="print">
             <a:extLst>
               <a:ext uri="{28A0092B-C50C-407E-A947-70E740481C1C}">
                 <a14:useLocalDpi xmlns:a14="http://schemas.microsoft.com/office/drawing/2010/main" val="0"/>
@@ -16585,7 +15217,7 @@
           <p:nvPr/>
         </p:nvPicPr>
         <p:blipFill>
-          <a:blip r:embed="rId1" cstate="print">
+          <a:blip r:embed="rId2" cstate="print">
             <a:extLst>
               <a:ext uri="{28A0092B-C50C-407E-A947-70E740481C1C}">
                 <a14:useLocalDpi xmlns:a14="http://schemas.microsoft.com/office/drawing/2010/main" val="0"/>
@@ -16622,7 +15254,7 @@
           <p:nvPr/>
         </p:nvPicPr>
         <p:blipFill>
-          <a:blip r:embed="rId1" cstate="print">
+          <a:blip r:embed="rId2" cstate="print">
             <a:extLst>
               <a:ext uri="{28A0092B-C50C-407E-A947-70E740481C1C}">
                 <a14:useLocalDpi xmlns:a14="http://schemas.microsoft.com/office/drawing/2010/main" val="0"/>
@@ -16841,11 +15473,6 @@
               </a:rPr>
               <a:t>推荐教材</a:t>
             </a:r>
-            <a:endParaRPr lang="zh-CN" altLang="en-US" sz="2800" b="1" dirty="0">
-              <a:solidFill>
-                <a:schemeClr val="bg1"/>
-              </a:solidFill>
-            </a:endParaRPr>
           </a:p>
         </p:txBody>
       </p:sp>
@@ -16917,15 +15544,7 @@
                   <a:srgbClr val="0000FF"/>
                 </a:solidFill>
               </a:rPr>
-              <a:t>实战 </a:t>
-            </a:r>
-            <a:r>
-              <a:rPr lang="zh-CN" altLang="en-US" sz="2800" dirty="0" smtClean="0">
-                <a:solidFill>
-                  <a:srgbClr val="0000FF"/>
-                </a:solidFill>
-              </a:rPr>
-              <a:t>》</a:t>
+              <a:t>实战 》</a:t>
             </a:r>
             <a:endParaRPr lang="zh-CN" altLang="en-US" sz="2800" dirty="0">
               <a:solidFill>
@@ -16948,11 +15567,7 @@
             </a:r>
             <a:r>
               <a:rPr lang="zh-CN" altLang="en-US" sz="2400" dirty="0" smtClean="0"/>
-              <a:t>：</a:t>
-            </a:r>
-            <a:r>
-              <a:rPr lang="zh-CN" altLang="en-US" sz="2400" dirty="0" smtClean="0"/>
-              <a:t>张云河</a:t>
+              <a:t>：张云河</a:t>
             </a:r>
             <a:r>
               <a:rPr lang="zh-CN" altLang="en-US" sz="2400" dirty="0" smtClean="0">
@@ -16979,9 +15594,6 @@
               </a:rPr>
               <a:t>出版：人民邮电出版社</a:t>
             </a:r>
-            <a:endParaRPr lang="zh-CN" altLang="en-US" sz="2400" dirty="0">
-              <a:sym typeface="+mn-ea"/>
-            </a:endParaRPr>
           </a:p>
           <a:p>
             <a:pPr algn="just">
@@ -17016,9 +15628,6 @@
               </a:rPr>
               <a:t>实验指导</a:t>
             </a:r>
-            <a:endParaRPr lang="zh-CN" altLang="en-US" sz="2400" dirty="0">
-              <a:sym typeface="+mn-ea"/>
-            </a:endParaRPr>
           </a:p>
           <a:p>
             <a:pPr algn="just">
@@ -17077,7 +15686,6 @@
               <a:rPr lang="zh-CN" altLang="en-US" sz="2400" dirty="0"/>
               <a:t>。</a:t>
             </a:r>
-            <a:endParaRPr lang="zh-CN" altLang="en-US" sz="2400" dirty="0"/>
           </a:p>
         </p:txBody>
       </p:sp>
@@ -17275,7 +15883,7 @@
           <p:nvPr/>
         </p:nvPicPr>
         <p:blipFill>
-          <a:blip r:embed="rId1" cstate="print">
+          <a:blip r:embed="rId2" cstate="print">
             <a:extLst>
               <a:ext uri="{28A0092B-C50C-407E-A947-70E740481C1C}">
                 <a14:useLocalDpi xmlns:a14="http://schemas.microsoft.com/office/drawing/2010/main" val="0"/>
@@ -17306,7 +15914,7 @@
           <p:nvPr/>
         </p:nvPicPr>
         <p:blipFill>
-          <a:blip r:embed="rId2">
+          <a:blip r:embed="rId3">
             <a:extLst>
               <a:ext uri="{28A0092B-C50C-407E-A947-70E740481C1C}">
                 <a14:useLocalDpi xmlns:a14="http://schemas.microsoft.com/office/drawing/2010/main" val="0"/>
@@ -17828,6 +16436,7 @@
           <a:lstStyle/>
           <a:p>
             <a:pPr algn="ctr"/>
+            <a:endParaRPr/>
           </a:p>
         </p:txBody>
       </p:sp>
@@ -18021,6 +16630,7 @@
           <a:lstStyle/>
           <a:p>
             <a:pPr algn="ctr"/>
+            <a:endParaRPr/>
           </a:p>
         </p:txBody>
       </p:sp>
@@ -18103,9 +16713,6 @@
               </a:rPr>
               <a:t> </a:t>
             </a:r>
-            <a:endParaRPr lang="en-US" altLang="zh-CN" dirty="0">
-              <a:sym typeface="+mn-ea"/>
-            </a:endParaRPr>
           </a:p>
         </p:txBody>
       </p:sp>
@@ -18140,115 +16747,34 @@
               <a:rPr dirty="0">
                 <a:sym typeface="+mn-ea"/>
               </a:rPr>
-              <a:t>1) </a:t>
-            </a:r>
+              <a:t>1) 被动删除：当读/写一个已经过期的key时，会触发惰性删除策略，直接删除掉这个过期key。</a:t>
+            </a:r>
+          </a:p>
+          <a:p>
+            <a:pPr>
+              <a:buClrTx/>
+              <a:buSzTx/>
+              <a:buFontTx/>
+            </a:pPr>
             <a:r>
               <a:rPr dirty="0">
                 <a:sym typeface="+mn-ea"/>
               </a:rPr>
-              <a:t>被动删除：当读</a:t>
-            </a:r>
+              <a:t>2) 主动删除：由于惰性删除策略无法保证冷数据被及时删掉，所以Redis会定期主动淘汰一批已过期的key。</a:t>
+            </a:r>
+          </a:p>
+          <a:p>
+            <a:pPr>
+              <a:buClrTx/>
+              <a:buSzTx/>
+              <a:buFontTx/>
+            </a:pPr>
             <a:r>
               <a:rPr dirty="0">
                 <a:sym typeface="+mn-ea"/>
               </a:rPr>
-              <a:t>/</a:t>
-            </a:r>
-            <a:r>
-              <a:rPr dirty="0">
-                <a:sym typeface="+mn-ea"/>
-              </a:rPr>
-              <a:t>写一个已经过期的</a:t>
-            </a:r>
-            <a:r>
-              <a:rPr dirty="0">
-                <a:sym typeface="+mn-ea"/>
-              </a:rPr>
-              <a:t>key</a:t>
-            </a:r>
-            <a:r>
-              <a:rPr dirty="0">
-                <a:sym typeface="+mn-ea"/>
-              </a:rPr>
-              <a:t>时，会触发惰性删除策略，直接删除掉这个过期</a:t>
-            </a:r>
-            <a:r>
-              <a:rPr dirty="0">
-                <a:sym typeface="+mn-ea"/>
-              </a:rPr>
-              <a:t>key</a:t>
-            </a:r>
-            <a:r>
-              <a:rPr dirty="0">
-                <a:sym typeface="+mn-ea"/>
-              </a:rPr>
-              <a:t>。</a:t>
-            </a:r>
-            <a:r>
-              <a:rPr dirty="0">
-                <a:sym typeface="+mn-ea"/>
-              </a:rPr>
-              <a:t>-2) </a:t>
-            </a:r>
-            <a:r>
-              <a:rPr dirty="0">
-                <a:sym typeface="+mn-ea"/>
-              </a:rPr>
-              <a:t>主动删除：由于惰性删除策略无法保证冷数据被及时删掉，所以</a:t>
-            </a:r>
-            <a:r>
-              <a:rPr dirty="0">
-                <a:sym typeface="+mn-ea"/>
-              </a:rPr>
-              <a:t>Redis</a:t>
-            </a:r>
-            <a:r>
-              <a:rPr dirty="0">
-                <a:sym typeface="+mn-ea"/>
-              </a:rPr>
-              <a:t>会定期主动淘汰一批已过期的</a:t>
-            </a:r>
-            <a:r>
-              <a:rPr dirty="0">
-                <a:sym typeface="+mn-ea"/>
-              </a:rPr>
-              <a:t>key</a:t>
-            </a:r>
-            <a:r>
-              <a:rPr dirty="0">
-                <a:sym typeface="+mn-ea"/>
-              </a:rPr>
-              <a:t>。</a:t>
-            </a:r>
-            <a:r>
-              <a:rPr dirty="0">
-                <a:sym typeface="+mn-ea"/>
-              </a:rPr>
-              <a:t>-3) </a:t>
-            </a:r>
-            <a:r>
-              <a:rPr dirty="0">
-                <a:sym typeface="+mn-ea"/>
-              </a:rPr>
-              <a:t>当前已用内存超过</a:t>
-            </a:r>
-            <a:r>
-              <a:rPr dirty="0">
-                <a:sym typeface="+mn-ea"/>
-              </a:rPr>
-              <a:t>maxmemory</a:t>
-            </a:r>
-            <a:r>
-              <a:rPr dirty="0">
-                <a:sym typeface="+mn-ea"/>
-              </a:rPr>
-              <a:t>限定时，触发主动清理策略。</a:t>
-            </a:r>
-            <a:endParaRPr dirty="0">
-              <a:sym typeface="+mn-ea"/>
-            </a:endParaRPr>
+              <a:t>3) 当前已用内存超过maxmemory限定时，触发主动清理策略。</a:t>
+            </a:r>
           </a:p>
         </p:txBody>
       </p:sp>
@@ -18283,19 +16809,7 @@
               <a:rPr dirty="0">
                 <a:sym typeface="+mn-ea"/>
               </a:rPr>
-              <a:t>这里着重介绍第三种清除策略，在</a:t>
-            </a:r>
-            <a:r>
-              <a:rPr dirty="0">
-                <a:sym typeface="+mn-ea"/>
-              </a:rPr>
-              <a:t>Redis</a:t>
-            </a:r>
-            <a:r>
-              <a:rPr dirty="0">
-                <a:sym typeface="+mn-ea"/>
-              </a:rPr>
-              <a:t>中，允许用户设置最大使用内存大小</a:t>
+              <a:t>这里着重介绍第三种清除策略，在Redis中，允许用户设置最大使用内存大小</a:t>
             </a:r>
             <a:r>
               <a:rPr dirty="0">
@@ -18313,107 +16827,8 @@
               <a:rPr dirty="0">
                 <a:sym typeface="+mn-ea"/>
               </a:rPr>
-              <a:t>（需要配合</a:t>
-            </a:r>
-            <a:r>
-              <a:rPr dirty="0">
-                <a:sym typeface="+mn-ea"/>
-              </a:rPr>
-              <a:t>maxmemory-policy</a:t>
-            </a:r>
-            <a:r>
-              <a:rPr dirty="0">
-                <a:sym typeface="+mn-ea"/>
-              </a:rPr>
-              <a:t>使用），设置为</a:t>
-            </a:r>
-            <a:r>
-              <a:rPr dirty="0">
-                <a:sym typeface="+mn-ea"/>
-              </a:rPr>
-              <a:t>0</a:t>
-            </a:r>
-            <a:r>
-              <a:rPr dirty="0">
-                <a:sym typeface="+mn-ea"/>
-              </a:rPr>
-              <a:t>表示不限制；当</a:t>
-            </a:r>
-            <a:r>
-              <a:rPr dirty="0">
-                <a:sym typeface="+mn-ea"/>
-              </a:rPr>
-              <a:t>Redis</a:t>
-            </a:r>
-            <a:r>
-              <a:rPr dirty="0">
-                <a:sym typeface="+mn-ea"/>
-              </a:rPr>
-              <a:t>内存数据集快到达</a:t>
-            </a:r>
-            <a:r>
-              <a:rPr dirty="0">
-                <a:sym typeface="+mn-ea"/>
-              </a:rPr>
-              <a:t>maxmemory</a:t>
-            </a:r>
-            <a:r>
-              <a:rPr dirty="0">
-                <a:sym typeface="+mn-ea"/>
-              </a:rPr>
-              <a:t>时，</a:t>
-            </a:r>
-            <a:r>
-              <a:rPr dirty="0">
-                <a:sym typeface="+mn-ea"/>
-              </a:rPr>
-              <a:t>Redis</a:t>
-            </a:r>
-            <a:r>
-              <a:rPr dirty="0">
-                <a:sym typeface="+mn-ea"/>
-              </a:rPr>
-              <a:t>会实行数据淘汰策略。</a:t>
-            </a:r>
-            <a:r>
-              <a:rPr dirty="0">
-                <a:sym typeface="+mn-ea"/>
-              </a:rPr>
-              <a:t>Redis</a:t>
-            </a:r>
-            <a:r>
-              <a:rPr dirty="0">
-                <a:sym typeface="+mn-ea"/>
-              </a:rPr>
-              <a:t>提供</a:t>
-            </a:r>
-            <a:r>
-              <a:rPr dirty="0">
-                <a:sym typeface="+mn-ea"/>
-              </a:rPr>
-              <a:t>6</a:t>
-            </a:r>
-            <a:r>
-              <a:rPr dirty="0">
-                <a:sym typeface="+mn-ea"/>
-              </a:rPr>
-              <a:t>种数据淘汰策略（</a:t>
-            </a:r>
-            <a:r>
-              <a:rPr dirty="0">
-                <a:sym typeface="+mn-ea"/>
-              </a:rPr>
-              <a:t>maxmemory-policy</a:t>
-            </a:r>
-            <a:r>
-              <a:rPr dirty="0">
-                <a:sym typeface="+mn-ea"/>
-              </a:rPr>
-              <a:t>）。</a:t>
-            </a:r>
-            <a:endParaRPr dirty="0">
-              <a:sym typeface="+mn-ea"/>
-            </a:endParaRPr>
+              <a:t>（需要配合maxmemory-policy使用），设置为0表示不限制；当Redis内存数据集快到达maxmemory时，Redis会实行数据淘汰策略。Redis提供6种数据淘汰策略（maxmemory-policy）。</a:t>
+            </a:r>
           </a:p>
         </p:txBody>
       </p:sp>
@@ -18445,6 +16860,7 @@
                 <a:tc>
                   <a:txBody>
                     <a:bodyPr/>
+                    <a:lstStyle/>
                     <a:p>
                       <a:pPr indent="0">
                         <a:buNone/>
@@ -18464,7 +16880,7 @@
                       </a:endParaRPr>
                     </a:p>
                   </a:txBody>
-                  <a:tcPr marL="68580" marR="68580" marT="0" marB="0" vert="horz" anchor="t" anchorCtr="0">
+                  <a:tcPr marL="68580" marR="68580" marT="0" marB="0">
                     <a:lnL w="12700" cap="flat" cmpd="sng">
                       <a:solidFill>
                         <a:srgbClr val="080000"/>
@@ -18509,6 +16925,7 @@
                 <a:tc>
                   <a:txBody>
                     <a:bodyPr/>
+                    <a:lstStyle/>
                     <a:p>
                       <a:pPr indent="0">
                         <a:buNone/>
@@ -18528,7 +16945,7 @@
                       </a:endParaRPr>
                     </a:p>
                   </a:txBody>
-                  <a:tcPr marL="68580" marR="68580" marT="0" marB="0" vert="horz" anchor="t" anchorCtr="0">
+                  <a:tcPr marL="68580" marR="68580" marT="0" marB="0">
                     <a:lnL w="12700" cap="flat" cmpd="sng">
                       <a:solidFill>
                         <a:srgbClr val="080000"/>
@@ -18575,6 +16992,7 @@
                 <a:tc>
                   <a:txBody>
                     <a:bodyPr/>
+                    <a:lstStyle/>
                     <a:p>
                       <a:pPr indent="0">
                         <a:buNone/>
@@ -18594,7 +17012,7 @@
                       </a:endParaRPr>
                     </a:p>
                   </a:txBody>
-                  <a:tcPr marL="68580" marR="68580" marT="0" marB="0" vert="horz" anchor="t" anchorCtr="0">
+                  <a:tcPr marL="68580" marR="68580" marT="0" marB="0">
                     <a:lnL w="12700" cap="flat" cmpd="sng">
                       <a:solidFill>
                         <a:srgbClr val="080000"/>
@@ -18639,6 +17057,7 @@
                 <a:tc>
                   <a:txBody>
                     <a:bodyPr/>
+                    <a:lstStyle/>
                     <a:p>
                       <a:pPr indent="0">
                         <a:buNone/>
@@ -18658,7 +17077,7 @@
                       </a:endParaRPr>
                     </a:p>
                   </a:txBody>
-                  <a:tcPr marL="68580" marR="68580" marT="0" marB="0" vert="horz" anchor="t" anchorCtr="0">
+                  <a:tcPr marL="68580" marR="68580" marT="0" marB="0">
                     <a:lnL w="12700" cap="flat" cmpd="sng">
                       <a:solidFill>
                         <a:srgbClr val="080000"/>
@@ -18705,6 +17124,7 @@
                 <a:tc>
                   <a:txBody>
                     <a:bodyPr/>
+                    <a:lstStyle/>
                     <a:p>
                       <a:pPr indent="0">
                         <a:buNone/>
@@ -18724,7 +17144,7 @@
                       </a:endParaRPr>
                     </a:p>
                   </a:txBody>
-                  <a:tcPr marL="68580" marR="68580" marT="0" marB="0" vert="horz" anchor="t" anchorCtr="0">
+                  <a:tcPr marL="68580" marR="68580" marT="0" marB="0">
                     <a:lnL w="12700" cap="flat" cmpd="sng">
                       <a:solidFill>
                         <a:srgbClr val="080000"/>
@@ -18769,6 +17189,7 @@
                 <a:tc>
                   <a:txBody>
                     <a:bodyPr/>
+                    <a:lstStyle/>
                     <a:p>
                       <a:pPr indent="0">
                         <a:buNone/>
@@ -18788,7 +17209,7 @@
                       </a:endParaRPr>
                     </a:p>
                   </a:txBody>
-                  <a:tcPr marL="68580" marR="68580" marT="0" marB="0" vert="horz" anchor="t" anchorCtr="0">
+                  <a:tcPr marL="68580" marR="68580" marT="0" marB="0">
                     <a:lnL w="12700" cap="flat" cmpd="sng">
                       <a:solidFill>
                         <a:srgbClr val="080000"/>
@@ -18835,6 +17256,7 @@
                 <a:tc>
                   <a:txBody>
                     <a:bodyPr/>
+                    <a:lstStyle/>
                     <a:p>
                       <a:pPr indent="0">
                         <a:buNone/>
@@ -18854,7 +17276,7 @@
                       </a:endParaRPr>
                     </a:p>
                   </a:txBody>
-                  <a:tcPr marL="68580" marR="68580" marT="0" marB="0" vert="horz" anchor="t" anchorCtr="0">
+                  <a:tcPr marL="68580" marR="68580" marT="0" marB="0">
                     <a:lnL w="12700" cap="flat" cmpd="sng">
                       <a:solidFill>
                         <a:srgbClr val="080000"/>
@@ -18899,6 +17321,7 @@
                 <a:tc>
                   <a:txBody>
                     <a:bodyPr/>
+                    <a:lstStyle/>
                     <a:p>
                       <a:pPr indent="0">
                         <a:buNone/>
@@ -18918,7 +17341,7 @@
                       </a:endParaRPr>
                     </a:p>
                   </a:txBody>
-                  <a:tcPr marL="68580" marR="68580" marT="0" marB="0" vert="horz" anchor="t" anchorCtr="0">
+                  <a:tcPr marL="68580" marR="68580" marT="0" marB="0">
                     <a:lnL w="12700" cap="flat" cmpd="sng">
                       <a:solidFill>
                         <a:srgbClr val="080000"/>
@@ -18965,6 +17388,7 @@
                 <a:tc>
                   <a:txBody>
                     <a:bodyPr/>
+                    <a:lstStyle/>
                     <a:p>
                       <a:pPr indent="0">
                         <a:buNone/>
@@ -18984,7 +17408,7 @@
                       </a:endParaRPr>
                     </a:p>
                   </a:txBody>
-                  <a:tcPr marL="68580" marR="68580" marT="0" marB="0" vert="horz" anchor="t" anchorCtr="0">
+                  <a:tcPr marL="68580" marR="68580" marT="0" marB="0">
                     <a:lnL w="12700" cap="flat" cmpd="sng">
                       <a:solidFill>
                         <a:srgbClr val="080000"/>
@@ -19029,6 +17453,7 @@
                 <a:tc>
                   <a:txBody>
                     <a:bodyPr/>
+                    <a:lstStyle/>
                     <a:p>
                       <a:pPr indent="0">
                         <a:buNone/>
@@ -19048,7 +17473,7 @@
                       </a:endParaRPr>
                     </a:p>
                   </a:txBody>
-                  <a:tcPr marL="68580" marR="68580" marT="0" marB="0" vert="horz" anchor="t" anchorCtr="0">
+                  <a:tcPr marL="68580" marR="68580" marT="0" marB="0">
                     <a:lnL w="12700" cap="flat" cmpd="sng">
                       <a:solidFill>
                         <a:srgbClr val="080000"/>
@@ -19095,6 +17520,7 @@
                 <a:tc>
                   <a:txBody>
                     <a:bodyPr/>
+                    <a:lstStyle/>
                     <a:p>
                       <a:pPr indent="0">
                         <a:buNone/>
@@ -19114,7 +17540,7 @@
                       </a:endParaRPr>
                     </a:p>
                   </a:txBody>
-                  <a:tcPr marL="68580" marR="68580" marT="0" marB="0" vert="horz" anchor="t" anchorCtr="0">
+                  <a:tcPr marL="68580" marR="68580" marT="0" marB="0">
                     <a:lnL w="12700" cap="flat" cmpd="sng">
                       <a:solidFill>
                         <a:srgbClr val="080000"/>
@@ -19159,6 +17585,7 @@
                 <a:tc>
                   <a:txBody>
                     <a:bodyPr/>
+                    <a:lstStyle/>
                     <a:p>
                       <a:pPr indent="0">
                         <a:buNone/>
@@ -19178,7 +17605,7 @@
                       </a:endParaRPr>
                     </a:p>
                   </a:txBody>
-                  <a:tcPr marL="68580" marR="68580" marT="0" marB="0" vert="horz" anchor="t" anchorCtr="0">
+                  <a:tcPr marL="68580" marR="68580" marT="0" marB="0">
                     <a:lnL w="12700" cap="flat" cmpd="sng">
                       <a:solidFill>
                         <a:srgbClr val="080000"/>
@@ -19256,25 +17683,7 @@
               <a:rPr dirty="0">
                 <a:sym typeface="+mn-ea"/>
               </a:rPr>
-              <a:t>maxmemory-policy</a:t>
-            </a:r>
-            <a:r>
-              <a:rPr dirty="0">
-                <a:sym typeface="+mn-ea"/>
-              </a:rPr>
-              <a:t>提供的</a:t>
-            </a:r>
-            <a:r>
-              <a:rPr dirty="0">
-                <a:sym typeface="+mn-ea"/>
-              </a:rPr>
-              <a:t>6</a:t>
-            </a:r>
-            <a:r>
-              <a:rPr dirty="0">
-                <a:sym typeface="+mn-ea"/>
-              </a:rPr>
-              <a:t>种淘汰策略</a:t>
+              <a:t>maxmemory-policy提供的6种淘汰策略</a:t>
             </a:r>
             <a:r>
               <a:rPr lang="zh-CN" dirty="0">
@@ -19282,9 +17691,6 @@
               </a:rPr>
               <a:t>：</a:t>
             </a:r>
-            <a:endParaRPr lang="zh-CN" dirty="0">
-              <a:sym typeface="+mn-ea"/>
-            </a:endParaRPr>
           </a:p>
         </p:txBody>
       </p:sp>
@@ -19777,6 +18183,7 @@
           <a:lstStyle/>
           <a:p>
             <a:pPr algn="ctr"/>
+            <a:endParaRPr/>
           </a:p>
         </p:txBody>
       </p:sp>
@@ -19966,6 +18373,7 @@
           <a:lstStyle/>
           <a:p>
             <a:pPr algn="ctr"/>
+            <a:endParaRPr/>
           </a:p>
         </p:txBody>
       </p:sp>
@@ -20030,95 +18438,8 @@
               <a:rPr dirty="0">
                 <a:sym typeface="+mn-ea"/>
               </a:rPr>
-              <a:t>关于</a:t>
-            </a:r>
-            <a:r>
-              <a:rPr dirty="0">
-                <a:sym typeface="+mn-ea"/>
-              </a:rPr>
-              <a:t>maxmemory</a:t>
-            </a:r>
-            <a:r>
-              <a:rPr dirty="0">
-                <a:sym typeface="+mn-ea"/>
-              </a:rPr>
-              <a:t>设置，通过在</a:t>
-            </a:r>
-            <a:r>
-              <a:rPr dirty="0">
-                <a:sym typeface="+mn-ea"/>
-              </a:rPr>
-              <a:t>redis.conf</a:t>
-            </a:r>
-            <a:r>
-              <a:rPr dirty="0">
-                <a:sym typeface="+mn-ea"/>
-              </a:rPr>
-              <a:t>中</a:t>
-            </a:r>
-            <a:r>
-              <a:rPr dirty="0">
-                <a:sym typeface="+mn-ea"/>
-              </a:rPr>
-              <a:t>maxmemory</a:t>
-            </a:r>
-            <a:r>
-              <a:rPr dirty="0">
-                <a:sym typeface="+mn-ea"/>
-              </a:rPr>
-              <a:t>参数设置，或者通过命令</a:t>
-            </a:r>
-            <a:r>
-              <a:rPr dirty="0">
-                <a:sym typeface="+mn-ea"/>
-              </a:rPr>
-              <a:t>CONFIG SET</a:t>
-            </a:r>
-            <a:r>
-              <a:rPr dirty="0">
-                <a:sym typeface="+mn-ea"/>
-              </a:rPr>
-              <a:t>动态修改。关于数据淘汰策略的设置，也可以通过在</a:t>
-            </a:r>
-            <a:r>
-              <a:rPr dirty="0">
-                <a:sym typeface="+mn-ea"/>
-              </a:rPr>
-              <a:t>redis.conf</a:t>
-            </a:r>
-            <a:r>
-              <a:rPr dirty="0">
-                <a:sym typeface="+mn-ea"/>
-              </a:rPr>
-              <a:t>中的</a:t>
-            </a:r>
-            <a:r>
-              <a:rPr dirty="0">
-                <a:sym typeface="+mn-ea"/>
-              </a:rPr>
-              <a:t>maxmemory-policy</a:t>
-            </a:r>
-            <a:r>
-              <a:rPr dirty="0">
-                <a:sym typeface="+mn-ea"/>
-              </a:rPr>
-              <a:t>参数设置，或者通过命令</a:t>
-            </a:r>
-            <a:r>
-              <a:rPr dirty="0">
-                <a:sym typeface="+mn-ea"/>
-              </a:rPr>
-              <a:t>CONFIG SET</a:t>
-            </a:r>
-            <a:r>
-              <a:rPr dirty="0">
-                <a:sym typeface="+mn-ea"/>
-              </a:rPr>
-              <a:t>动态修改。</a:t>
-            </a:r>
-            <a:endParaRPr dirty="0">
-              <a:sym typeface="+mn-ea"/>
-            </a:endParaRPr>
+              <a:t>关于maxmemory设置，通过在redis.conf中maxmemory参数设置，或者通过命令CONFIG SET动态修改。关于数据淘汰策略的设置，也可以通过在redis.conf中的maxmemory-policy参数设置，或者通过命令CONFIG SET动态修改。</a:t>
+            </a:r>
           </a:p>
         </p:txBody>
       </p:sp>
@@ -20135,7 +18456,7 @@
           </p:nvPr>
         </p:nvPicPr>
         <p:blipFill>
-          <a:blip r:embed="rId2"/>
+          <a:blip r:embed="rId3"/>
           <a:stretch>
             <a:fillRect/>
           </a:stretch>
@@ -21643,7 +19964,7 @@
           <p:nvPr/>
         </p:nvPicPr>
         <p:blipFill>
-          <a:blip r:embed="rId2" cstate="print">
+          <a:blip r:embed="rId3" cstate="print">
             <a:extLst>
               <a:ext uri="{28A0092B-C50C-407E-A947-70E740481C1C}">
                 <a14:useLocalDpi xmlns:a14="http://schemas.microsoft.com/office/drawing/2010/main" val="0"/>
@@ -21674,7 +19995,7 @@
           <p:nvPr/>
         </p:nvPicPr>
         <p:blipFill>
-          <a:blip r:embed="rId3">
+          <a:blip r:embed="rId4">
             <a:extLst>
               <a:ext uri="{28A0092B-C50C-407E-A947-70E740481C1C}">
                 <a14:useLocalDpi xmlns:a14="http://schemas.microsoft.com/office/drawing/2010/main" val="0"/>
@@ -21803,6 +20124,10 @@
           </a:bodyPr>
           <a:lstStyle/>
           <a:p>
+            <a:r>
+              <a:rPr lang="en-US" altLang="zh-CN" sz="4800" dirty="0"/>
+              <a:t/>
+            </a:r>
             <a:br>
               <a:rPr lang="en-US" altLang="zh-CN" sz="4800" dirty="0"/>
             </a:br>
@@ -21823,9 +20148,6 @@
               </a:rPr>
               <a:t>类型及命令</a:t>
             </a:r>
-            <a:endParaRPr sz="4800">
-              <a:sym typeface="+mn-ea"/>
-            </a:endParaRPr>
           </a:p>
         </p:txBody>
       </p:sp>
@@ -23048,7 +21370,7 @@
           <p:nvPr/>
         </p:nvPicPr>
         <p:blipFill>
-          <a:blip r:embed="rId2" cstate="print">
+          <a:blip r:embed="rId3" cstate="print">
             <a:extLst>
               <a:ext uri="{28A0092B-C50C-407E-A947-70E740481C1C}">
                 <a14:useLocalDpi xmlns:a14="http://schemas.microsoft.com/office/drawing/2010/main" val="0"/>
@@ -23259,7 +21581,7 @@
           <p:nvPr/>
         </p:nvPicPr>
         <p:blipFill>
-          <a:blip r:embed="rId3" cstate="print">
+          <a:blip r:embed="rId4" cstate="print">
             <a:extLst>
               <a:ext uri="{28A0092B-C50C-407E-A947-70E740481C1C}">
                 <a14:useLocalDpi xmlns:a14="http://schemas.microsoft.com/office/drawing/2010/main" val="0"/>
@@ -23290,7 +21612,7 @@
           <p:nvPr/>
         </p:nvPicPr>
         <p:blipFill>
-          <a:blip r:embed="rId4">
+          <a:blip r:embed="rId5">
             <a:extLst>
               <a:ext uri="{28A0092B-C50C-407E-A947-70E740481C1C}">
                 <a14:useLocalDpi xmlns:a14="http://schemas.microsoft.com/office/drawing/2010/main" val="0"/>
@@ -23550,6 +21872,11 @@
             <p:custDataLst>
               <p:tags r:id="rId1"/>
             </p:custDataLst>
+            <p:extLst>
+              <p:ext uri="{D42A27DB-BD31-4B8C-83A1-F6EECF244321}">
+                <p14:modId xmlns:p14="http://schemas.microsoft.com/office/powerpoint/2010/main" val="848475220"/>
+              </p:ext>
+            </p:extLst>
           </p:nvPr>
         </p:nvGraphicFramePr>
         <p:xfrm>
@@ -23646,14 +21973,6 @@
                         </a:rPr>
                         <a:t>Redis</a:t>
                       </a:r>
-                      <a:endParaRPr lang="en-US" altLang="zh-CN" sz="2000" b="0" dirty="0" err="1" smtClean="0">
-                        <a:solidFill>
-                          <a:schemeClr val="tx1"/>
-                        </a:solidFill>
-                        <a:latin typeface="微软雅黑 (正文)"/>
-                        <a:ea typeface="+mn-ea"/>
-                        <a:cs typeface="+mn-cs"/>
-                      </a:endParaRPr>
                     </a:p>
                   </a:txBody>
                   <a:tcPr marL="98738" marR="98738" marT="0" marB="0" anchor="ctr">
@@ -23680,7 +21999,7 @@
                         <a:buNone/>
                       </a:pPr>
                       <a:r>
-                        <a:rPr lang="en-US" sz="2000" kern="1200" dirty="0" smtClean="0">
+                        <a:rPr lang="en-US" sz="2000" kern="1200" smtClean="0">
                           <a:solidFill>
                             <a:schemeClr val="tx1"/>
                           </a:solidFill>
@@ -23688,7 +22007,18 @@
                           <a:ea typeface="+mn-ea"/>
                           <a:cs typeface="+mn-cs"/>
                         </a:rPr>
-                        <a:t>  第</a:t>
+                        <a:t> </a:t>
+                      </a:r>
+                      <a:r>
+                        <a:rPr lang="en-US" sz="2000" kern="1200" smtClean="0">
+                          <a:solidFill>
+                            <a:schemeClr val="tx1"/>
+                          </a:solidFill>
+                          <a:latin typeface="微软雅黑 (正文)"/>
+                          <a:ea typeface="+mn-ea"/>
+                          <a:cs typeface="+mn-cs"/>
+                        </a:rPr>
+                        <a:t>第</a:t>
                       </a:r>
                       <a:r>
                         <a:rPr lang="en-US" sz="2000" kern="1200" dirty="0">
@@ -23756,14 +22086,6 @@
                         </a:rPr>
                         <a:t>常用数据类型</a:t>
                       </a:r>
-                      <a:endParaRPr lang="zh-CN" altLang="en-US" sz="2000" b="0" kern="1200" dirty="0" smtClean="0">
-                        <a:solidFill>
-                          <a:schemeClr val="tx1"/>
-                        </a:solidFill>
-                        <a:latin typeface="微软雅黑 (正文)"/>
-                        <a:ea typeface="+mn-ea"/>
-                        <a:cs typeface="+mn-cs"/>
-                      </a:endParaRPr>
                     </a:p>
                   </a:txBody>
                   <a:tcPr marL="98738" marR="98738" marT="0" marB="0" anchor="ctr">
@@ -24474,6 +22796,13 @@
                   <a:tcPr marL="98738" marR="98738" marT="0" marB="0" anchor="ctr"/>
                 </a:tc>
                 <a:tc hMerge="1">
+                  <a:txBody>
+                    <a:bodyPr/>
+                    <a:lstStyle/>
+                    <a:p>
+                      <a:endParaRPr lang="zh-CN"/>
+                    </a:p>
+                  </a:txBody>
                   <a:tcPr marL="98738" marR="98738" marT="0" marB="0" anchor="ctr"/>
                 </a:tc>
               </a:tr>
@@ -24675,7 +23004,7 @@
           <p:nvPr/>
         </p:nvPicPr>
         <p:blipFill>
-          <a:blip r:embed="rId2" cstate="print">
+          <a:blip r:embed="rId3" cstate="print">
             <a:extLst>
               <a:ext uri="{28A0092B-C50C-407E-A947-70E740481C1C}">
                 <a14:useLocalDpi xmlns:a14="http://schemas.microsoft.com/office/drawing/2010/main" val="0"/>
@@ -24888,11 +23217,6 @@
               </a:rPr>
               <a:t>内容导航：</a:t>
             </a:r>
-            <a:endParaRPr lang="zh-CN" altLang="en-US" sz="2800" b="1" dirty="0">
-              <a:solidFill>
-                <a:schemeClr val="bg1"/>
-              </a:solidFill>
-            </a:endParaRPr>
           </a:p>
         </p:txBody>
       </p:sp>
@@ -24937,13 +23261,6 @@
               </a:rPr>
               <a:t>持久化机制</a:t>
             </a:r>
-            <a:endParaRPr lang="zh-CN" altLang="en-US" sz="2400" b="1" dirty="0" smtClean="0">
-              <a:solidFill>
-                <a:srgbClr val="0000FF"/>
-              </a:solidFill>
-              <a:latin typeface="+mj-ea"/>
-              <a:ea typeface="+mj-ea"/>
-            </a:endParaRPr>
           </a:p>
         </p:txBody>
       </p:sp>
@@ -24998,9 +23315,6 @@
               </a:rPr>
               <a:t>清除策略</a:t>
             </a:r>
-            <a:endParaRPr lang="zh-CN" altLang="en-US" sz="2400" dirty="0" smtClean="0">
-              <a:latin typeface="+mj-ea"/>
-            </a:endParaRPr>
           </a:p>
         </p:txBody>
       </p:sp>
@@ -25065,11 +23379,6 @@
               </a:rPr>
               <a:t>缓存持久化</a:t>
             </a:r>
-            <a:endParaRPr lang="zh-CN" altLang="en-US" sz="3600" dirty="0" smtClean="0">
-              <a:solidFill>
-                <a:srgbClr val="000000"/>
-              </a:solidFill>
-            </a:endParaRPr>
           </a:p>
         </p:txBody>
       </p:sp>
@@ -25151,15 +23460,7 @@
                   <a:srgbClr val="002060"/>
                 </a:solidFill>
               </a:rPr>
-              <a:t>主审</a:t>
-            </a:r>
-            <a:r>
-              <a:rPr lang="zh-CN" altLang="en-US" sz="2400" dirty="0">
-                <a:solidFill>
-                  <a:srgbClr val="002060"/>
-                </a:solidFill>
-              </a:rPr>
-              <a:t>： ***</a:t>
+              <a:t>主审： ***</a:t>
             </a:r>
             <a:endParaRPr lang="en-US" altLang="zh-CN" sz="2400" dirty="0">
               <a:solidFill>
@@ -25406,7 +23707,7 @@
           <p:nvPr/>
         </p:nvPicPr>
         <p:blipFill>
-          <a:blip r:embed="rId1" cstate="print">
+          <a:blip r:embed="rId2" cstate="print">
             <a:extLst>
               <a:ext uri="{28A0092B-C50C-407E-A947-70E740481C1C}">
                 <a14:useLocalDpi xmlns:a14="http://schemas.microsoft.com/office/drawing/2010/main" val="0"/>
@@ -25437,7 +23738,7 @@
           <p:nvPr/>
         </p:nvPicPr>
         <p:blipFill>
-          <a:blip r:embed="rId1" cstate="print">
+          <a:blip r:embed="rId2" cstate="print">
             <a:extLst>
               <a:ext uri="{28A0092B-C50C-407E-A947-70E740481C1C}">
                 <a14:useLocalDpi xmlns:a14="http://schemas.microsoft.com/office/drawing/2010/main" val="0"/>
@@ -25474,7 +23775,7 @@
           <p:nvPr/>
         </p:nvPicPr>
         <p:blipFill>
-          <a:blip r:embed="rId1" cstate="print">
+          <a:blip r:embed="rId2" cstate="print">
             <a:extLst>
               <a:ext uri="{28A0092B-C50C-407E-A947-70E740481C1C}">
                 <a14:useLocalDpi xmlns:a14="http://schemas.microsoft.com/office/drawing/2010/main" val="0"/>
@@ -25556,11 +23857,6 @@
               </a:rPr>
               <a:t>持久化机制</a:t>
             </a:r>
-            <a:endParaRPr lang="zh-CN" altLang="en-US" sz="2800" b="1" dirty="0">
-              <a:solidFill>
-                <a:schemeClr val="bg1"/>
-              </a:solidFill>
-            </a:endParaRPr>
           </a:p>
         </p:txBody>
       </p:sp>
@@ -25647,7 +23943,6 @@
               <a:rPr lang="zh-CN" altLang="zh-CN" sz="2400" dirty="0"/>
               <a:t>的操作日志以追加的方式写入文件）。下面详细介绍这两种方式。</a:t>
             </a:r>
-            <a:endParaRPr lang="zh-CN" altLang="zh-CN" sz="2400" dirty="0"/>
           </a:p>
           <a:p>
             <a:pPr marL="342900" indent="-342900" algn="just">
@@ -25678,7 +23973,7 @@
           <p:nvPr/>
         </p:nvPicPr>
         <p:blipFill>
-          <a:blip r:embed="rId1" cstate="print">
+          <a:blip r:embed="rId2" cstate="print">
             <a:extLst>
               <a:ext uri="{28A0092B-C50C-407E-A947-70E740481C1C}">
                 <a14:useLocalDpi xmlns:a14="http://schemas.microsoft.com/office/drawing/2010/main" val="0"/>
@@ -25760,11 +24055,6 @@
               </a:rPr>
               <a:t>持久化机制</a:t>
             </a:r>
-            <a:endParaRPr lang="zh-CN" altLang="en-US" sz="2800" b="1" dirty="0">
-              <a:solidFill>
-                <a:schemeClr val="bg1"/>
-              </a:solidFill>
-            </a:endParaRPr>
           </a:p>
         </p:txBody>
       </p:sp>
@@ -25881,7 +24171,7 @@
           <p:nvPr/>
         </p:nvPicPr>
         <p:blipFill>
-          <a:blip r:embed="rId1" cstate="print">
+          <a:blip r:embed="rId2" cstate="print">
             <a:extLst>
               <a:ext uri="{28A0092B-C50C-407E-A947-70E740481C1C}">
                 <a14:useLocalDpi xmlns:a14="http://schemas.microsoft.com/office/drawing/2010/main" val="0"/>
@@ -25956,7 +24246,7 @@
           <p:nvPr/>
         </p:nvPicPr>
         <p:blipFill>
-          <a:blip r:embed="rId2">
+          <a:blip r:embed="rId3">
             <a:extLst>
               <a:ext uri="{28A0092B-C50C-407E-A947-70E740481C1C}">
                 <a14:useLocalDpi xmlns:a14="http://schemas.microsoft.com/office/drawing/2010/main" val="0"/>
@@ -26036,11 +24326,6 @@
               </a:rPr>
               <a:t>持久化机制</a:t>
             </a:r>
-            <a:endParaRPr lang="zh-CN" altLang="en-US" sz="2800" b="1" dirty="0">
-              <a:solidFill>
-                <a:schemeClr val="bg1"/>
-              </a:solidFill>
-            </a:endParaRPr>
           </a:p>
         </p:txBody>
       </p:sp>
@@ -26177,7 +24462,7 @@
           <p:nvPr/>
         </p:nvPicPr>
         <p:blipFill>
-          <a:blip r:embed="rId1" cstate="print">
+          <a:blip r:embed="rId2" cstate="print">
             <a:extLst>
               <a:ext uri="{28A0092B-C50C-407E-A947-70E740481C1C}">
                 <a14:useLocalDpi xmlns:a14="http://schemas.microsoft.com/office/drawing/2010/main" val="0"/>
@@ -26250,7 +24535,7 @@
           <p:nvPr/>
         </p:nvPicPr>
         <p:blipFill>
-          <a:blip r:embed="rId2">
+          <a:blip r:embed="rId3">
             <a:extLst>
               <a:ext uri="{28A0092B-C50C-407E-A947-70E740481C1C}">
                 <a14:useLocalDpi xmlns:a14="http://schemas.microsoft.com/office/drawing/2010/main" val="0"/>
@@ -26811,6 +25096,7 @@
           <a:lstStyle/>
           <a:p>
             <a:pPr algn="ctr"/>
+            <a:endParaRPr/>
           </a:p>
         </p:txBody>
       </p:sp>
@@ -27004,6 +25290,7 @@
           <a:lstStyle/>
           <a:p>
             <a:pPr algn="ctr"/>
+            <a:endParaRPr/>
           </a:p>
         </p:txBody>
       </p:sp>
@@ -27050,7 +25337,7 @@
           <p:nvPr/>
         </p:nvPicPr>
         <p:blipFill>
-          <a:blip r:embed="rId6" cstate="print">
+          <a:blip r:embed="rId7" cstate="print">
             <a:extLst>
               <a:ext uri="{28A0092B-C50C-407E-A947-70E740481C1C}">
                 <a14:useLocalDpi xmlns:a14="http://schemas.microsoft.com/office/drawing/2010/main" val="0"/>
@@ -27120,6 +25407,10 @@
               <a:rPr lang="zh-CN" altLang="zh-CN" dirty="0" smtClean="0"/>
               <a:t>名称</a:t>
             </a:r>
+            <a:r>
+              <a:rPr lang="en-US" altLang="zh-CN" dirty="0" smtClean="0"/>
+              <a:t/>
+            </a:r>
             <a:br>
               <a:rPr lang="en-US" altLang="zh-CN" dirty="0" smtClean="0"/>
             </a:br>
@@ -27187,7 +25478,6 @@
               <a:rPr lang="zh-CN" altLang="zh-CN" dirty="0"/>
               <a:t>参数。</a:t>
             </a:r>
-            <a:endParaRPr lang="zh-CN" altLang="zh-CN" dirty="0"/>
           </a:p>
           <a:p>
             <a:endParaRPr lang="zh-CN" altLang="zh-CN" dirty="0"/>
@@ -27235,7 +25525,6 @@
               <a:rPr lang="zh-CN" altLang="en-US" dirty="0"/>
               <a:t>。</a:t>
             </a:r>
-            <a:endParaRPr lang="zh-CN" altLang="en-US" dirty="0"/>
           </a:p>
           <a:p>
             <a:r>
@@ -27272,7 +25561,6 @@
               <a:rPr lang="zh-CN" altLang="en-US" dirty="0"/>
               <a:t>文件存放的目录。默认为当前的工作目录</a:t>
             </a:r>
-            <a:endParaRPr lang="zh-CN" altLang="en-US" dirty="0"/>
           </a:p>
           <a:p>
             <a:r>
@@ -27312,372 +25600,7 @@
 </file>
 
 <file path=ppt/tags/tag1.xml><?xml version="1.0" encoding="utf-8"?>
-<p:tagLst xmlns:p="http://schemas.openxmlformats.org/presentationml/2006/main">
-  <p:tag name="THINKCELLSHAPEDONOTDELETE" val="tA6S0wzOvQ8a50SA42PUNRg"/>
-</p:tagLst>
-</file>
-
-<file path=ppt/tags/tag10.xml><?xml version="1.0" encoding="utf-8"?>
-<p:tagLst xmlns:p="http://schemas.openxmlformats.org/presentationml/2006/main">
-  <p:tag name="MH_OLD_SHAPE_ID" val="20"/>
-  <p:tag name="REFSHAPE" val="105553220334584"/>
-</p:tagLst>
-</file>
-
-<file path=ppt/tags/tag11.xml><?xml version="1.0" encoding="utf-8"?>
-<p:tagLst xmlns:p="http://schemas.openxmlformats.org/presentationml/2006/main">
-  <p:tag name="MH_OLD_SHAPE_ID" val="5"/>
-  <p:tag name="REFSHAPE" val="105553220336600"/>
-</p:tagLst>
-</file>
-
-<file path=ppt/tags/tag12.xml><?xml version="1.0" encoding="utf-8"?>
-<p:tagLst xmlns:p="http://schemas.openxmlformats.org/presentationml/2006/main">
-  <p:tag name="MH_OLD_SHAPE_ID" val="14"/>
-  <p:tag name="REFSHAPE" val="105553220328984"/>
-</p:tagLst>
-</file>
-
-<file path=ppt/tags/tag13.xml><?xml version="1.0" encoding="utf-8"?>
-<p:tagLst xmlns:p="http://schemas.openxmlformats.org/presentationml/2006/main">
-  <p:tag name="MH_OLD_SHAPE_ID" val="15"/>
-  <p:tag name="REFSHAPE" val="105553220333240"/>
-</p:tagLst>
-</file>
-
-<file path=ppt/tags/tag14.xml><?xml version="1.0" encoding="utf-8"?>
-<p:tagLst xmlns:p="http://schemas.openxmlformats.org/presentationml/2006/main">
-  <p:tag name="MH_OLD_SHAPE_ID" val="22"/>
-  <p:tag name="REFSHAPE" val="105553220319320"/>
-</p:tagLst>
-</file>
-
-<file path=ppt/tags/tag15.xml><?xml version="1.0" encoding="utf-8"?>
-<p:tagLst xmlns:p="http://schemas.openxmlformats.org/presentationml/2006/main">
-  <p:tag name="MH_OLD_SHAPE_ID" val="20"/>
-  <p:tag name="REFSHAPE" val="105553220334584"/>
-</p:tagLst>
-</file>
-
-<file path=ppt/tags/tag16.xml><?xml version="1.0" encoding="utf-8"?>
-<p:tagLst xmlns:p="http://schemas.openxmlformats.org/presentationml/2006/main">
-  <p:tag name="MH_OLD_SHAPE_ID" val="5"/>
-  <p:tag name="REFSHAPE" val="105553220336600"/>
-</p:tagLst>
-</file>
-
-<file path=ppt/tags/tag17.xml><?xml version="1.0" encoding="utf-8"?>
-<p:tagLst xmlns:p="http://schemas.openxmlformats.org/presentationml/2006/main">
-  <p:tag name="MH_OLD_SHAPE_ID" val="14"/>
-  <p:tag name="REFSHAPE" val="105553220328984"/>
-</p:tagLst>
-</file>
-
-<file path=ppt/tags/tag18.xml><?xml version="1.0" encoding="utf-8"?>
-<p:tagLst xmlns:p="http://schemas.openxmlformats.org/presentationml/2006/main">
-  <p:tag name="MH_OLD_SHAPE_ID" val="15"/>
-  <p:tag name="REFSHAPE" val="105553220333240"/>
-</p:tagLst>
-</file>
-
-<file path=ppt/tags/tag19.xml><?xml version="1.0" encoding="utf-8"?>
-<p:tagLst xmlns:p="http://schemas.openxmlformats.org/presentationml/2006/main">
-  <p:tag name="MH_OLD_SHAPE_ID" val="22"/>
-  <p:tag name="REFSHAPE" val="105553220319320"/>
-</p:tagLst>
-</file>
-
-<file path=ppt/tags/tag2.xml><?xml version="1.0" encoding="utf-8"?>
-<p:tagLst xmlns:p="http://schemas.openxmlformats.org/presentationml/2006/main">
-  <p:tag name="THINKCELLSHAPEDONOTDELETE" val="tA6S0wzOvQ8a50SA42PUNRg"/>
-</p:tagLst>
-</file>
-
-<file path=ppt/tags/tag20.xml><?xml version="1.0" encoding="utf-8"?>
-<p:tagLst xmlns:p="http://schemas.openxmlformats.org/presentationml/2006/main">
-  <p:tag name="MH_OLD_SHAPE_ID" val="20"/>
-  <p:tag name="REFSHAPE" val="105553220334584"/>
-</p:tagLst>
-</file>
-
-<file path=ppt/tags/tag21.xml><?xml version="1.0" encoding="utf-8"?>
-<p:tagLst xmlns:p="http://schemas.openxmlformats.org/presentationml/2006/main">
-  <p:tag name="MH_OLD_SHAPE_ID" val="5"/>
-  <p:tag name="REFSHAPE" val="105553220336600"/>
-</p:tagLst>
-</file>
-
-<file path=ppt/tags/tag22.xml><?xml version="1.0" encoding="utf-8"?>
-<p:tagLst xmlns:p="http://schemas.openxmlformats.org/presentationml/2006/main">
-  <p:tag name="MH_OLD_SHAPE_ID" val="14"/>
-  <p:tag name="REFSHAPE" val="105553220328984"/>
-</p:tagLst>
-</file>
-
-<file path=ppt/tags/tag23.xml><?xml version="1.0" encoding="utf-8"?>
-<p:tagLst xmlns:p="http://schemas.openxmlformats.org/presentationml/2006/main">
-  <p:tag name="MH_OLD_SHAPE_ID" val="15"/>
-  <p:tag name="REFSHAPE" val="105553220333240"/>
-</p:tagLst>
-</file>
-
-<file path=ppt/tags/tag24.xml><?xml version="1.0" encoding="utf-8"?>
-<p:tagLst xmlns:p="http://schemas.openxmlformats.org/presentationml/2006/main">
-  <p:tag name="MH_OLD_SHAPE_ID" val="22"/>
-  <p:tag name="REFSHAPE" val="105553220319320"/>
-</p:tagLst>
-</file>
-
-<file path=ppt/tags/tag25.xml><?xml version="1.0" encoding="utf-8"?>
-<p:tagLst xmlns:p="http://schemas.openxmlformats.org/presentationml/2006/main">
-  <p:tag name="MH_OLD_SHAPE_ID" val="20"/>
-  <p:tag name="REFSHAPE" val="105553220334584"/>
-</p:tagLst>
-</file>
-
-<file path=ppt/tags/tag26.xml><?xml version="1.0" encoding="utf-8"?>
-<p:tagLst xmlns:p="http://schemas.openxmlformats.org/presentationml/2006/main">
-  <p:tag name="MH_OLD_SHAPE_ID" val="5"/>
-  <p:tag name="REFSHAPE" val="105553220336600"/>
-</p:tagLst>
-</file>
-
-<file path=ppt/tags/tag27.xml><?xml version="1.0" encoding="utf-8"?>
-<p:tagLst xmlns:p="http://schemas.openxmlformats.org/presentationml/2006/main">
-  <p:tag name="MH_OLD_SHAPE_ID" val="14"/>
-  <p:tag name="REFSHAPE" val="105553220328984"/>
-</p:tagLst>
-</file>
-
-<file path=ppt/tags/tag28.xml><?xml version="1.0" encoding="utf-8"?>
-<p:tagLst xmlns:p="http://schemas.openxmlformats.org/presentationml/2006/main">
-  <p:tag name="MH_OLD_SHAPE_ID" val="15"/>
-  <p:tag name="REFSHAPE" val="105553220333240"/>
-</p:tagLst>
-</file>
-
-<file path=ppt/tags/tag29.xml><?xml version="1.0" encoding="utf-8"?>
-<p:tagLst xmlns:p="http://schemas.openxmlformats.org/presentationml/2006/main">
-  <p:tag name="MH_OLD_SHAPE_ID" val="22"/>
-  <p:tag name="REFSHAPE" val="105553220319320"/>
-</p:tagLst>
-</file>
-
-<file path=ppt/tags/tag3.xml><?xml version="1.0" encoding="utf-8"?>
-<p:tagLst xmlns:p="http://schemas.openxmlformats.org/presentationml/2006/main">
-  <p:tag name="KSO_WM_UNIT_TABLE_BEAUTIFY" val="smartTable{58a06314-7e72-4d48-85a8-7253ed818c17}"/>
-</p:tagLst>
-</file>
-
-<file path=ppt/tags/tag30.xml><?xml version="1.0" encoding="utf-8"?>
-<p:tagLst xmlns:p="http://schemas.openxmlformats.org/presentationml/2006/main">
-  <p:tag name="MH_OLD_SHAPE_ID" val="20"/>
-  <p:tag name="REFSHAPE" val="105553220334584"/>
-</p:tagLst>
-</file>
-
-<file path=ppt/tags/tag31.xml><?xml version="1.0" encoding="utf-8"?>
-<p:tagLst xmlns:p="http://schemas.openxmlformats.org/presentationml/2006/main">
-  <p:tag name="MH_OLD_SHAPE_ID" val="5"/>
-  <p:tag name="REFSHAPE" val="105553220336600"/>
-</p:tagLst>
-</file>
-
-<file path=ppt/tags/tag32.xml><?xml version="1.0" encoding="utf-8"?>
-<p:tagLst xmlns:p="http://schemas.openxmlformats.org/presentationml/2006/main">
-  <p:tag name="MH_OLD_SHAPE_ID" val="14"/>
-  <p:tag name="REFSHAPE" val="105553220328984"/>
-</p:tagLst>
-</file>
-
-<file path=ppt/tags/tag33.xml><?xml version="1.0" encoding="utf-8"?>
-<p:tagLst xmlns:p="http://schemas.openxmlformats.org/presentationml/2006/main">
-  <p:tag name="MH_OLD_SHAPE_ID" val="15"/>
-  <p:tag name="REFSHAPE" val="105553220333240"/>
-</p:tagLst>
-</file>
-
-<file path=ppt/tags/tag34.xml><?xml version="1.0" encoding="utf-8"?>
-<p:tagLst xmlns:p="http://schemas.openxmlformats.org/presentationml/2006/main">
-  <p:tag name="MH_OLD_SHAPE_ID" val="22"/>
-  <p:tag name="REFSHAPE" val="105553220319320"/>
-</p:tagLst>
-</file>
-
-<file path=ppt/tags/tag35.xml><?xml version="1.0" encoding="utf-8"?>
-<p:tagLst xmlns:p="http://schemas.openxmlformats.org/presentationml/2006/main">
-  <p:tag name="MH_OLD_SHAPE_ID" val="20"/>
-  <p:tag name="REFSHAPE" val="105553220334584"/>
-</p:tagLst>
-</file>
-
-<file path=ppt/tags/tag36.xml><?xml version="1.0" encoding="utf-8"?>
-<p:tagLst xmlns:p="http://schemas.openxmlformats.org/presentationml/2006/main">
-  <p:tag name="MH_OLD_SHAPE_ID" val="5"/>
-  <p:tag name="REFSHAPE" val="105553220336600"/>
-</p:tagLst>
-</file>
-
-<file path=ppt/tags/tag37.xml><?xml version="1.0" encoding="utf-8"?>
-<p:tagLst xmlns:p="http://schemas.openxmlformats.org/presentationml/2006/main">
-  <p:tag name="MH_OLD_SHAPE_ID" val="14"/>
-  <p:tag name="REFSHAPE" val="105553220328984"/>
-</p:tagLst>
-</file>
-
-<file path=ppt/tags/tag38.xml><?xml version="1.0" encoding="utf-8"?>
-<p:tagLst xmlns:p="http://schemas.openxmlformats.org/presentationml/2006/main">
-  <p:tag name="MH_OLD_SHAPE_ID" val="15"/>
-  <p:tag name="REFSHAPE" val="105553220333240"/>
-</p:tagLst>
-</file>
-
-<file path=ppt/tags/tag39.xml><?xml version="1.0" encoding="utf-8"?>
-<p:tagLst xmlns:p="http://schemas.openxmlformats.org/presentationml/2006/main">
-  <p:tag name="MH_OLD_SHAPE_ID" val="22"/>
-  <p:tag name="REFSHAPE" val="105553220319320"/>
-</p:tagLst>
-</file>
-
-<file path=ppt/tags/tag4.xml><?xml version="1.0" encoding="utf-8"?>
-<p:tagLst xmlns:p="http://schemas.openxmlformats.org/presentationml/2006/main">
-  <p:tag name="MH_OLD_SHAPE_ID" val="20"/>
-  <p:tag name="REFSHAPE" val="105553220334584"/>
-</p:tagLst>
-</file>
-
-<file path=ppt/tags/tag40.xml><?xml version="1.0" encoding="utf-8"?>
-<p:tagLst xmlns:p="http://schemas.openxmlformats.org/presentationml/2006/main">
-  <p:tag name="MH_OLD_SHAPE_ID" val="20"/>
-  <p:tag name="REFSHAPE" val="105553220334584"/>
-</p:tagLst>
-</file>
-
-<file path=ppt/tags/tag41.xml><?xml version="1.0" encoding="utf-8"?>
-<p:tagLst xmlns:p="http://schemas.openxmlformats.org/presentationml/2006/main">
-  <p:tag name="MH_OLD_SHAPE_ID" val="5"/>
-  <p:tag name="REFSHAPE" val="105553220336600"/>
-</p:tagLst>
-</file>
-
-<file path=ppt/tags/tag42.xml><?xml version="1.0" encoding="utf-8"?>
-<p:tagLst xmlns:p="http://schemas.openxmlformats.org/presentationml/2006/main">
-  <p:tag name="MH_OLD_SHAPE_ID" val="14"/>
-  <p:tag name="REFSHAPE" val="105553220328984"/>
-</p:tagLst>
-</file>
-
-<file path=ppt/tags/tag43.xml><?xml version="1.0" encoding="utf-8"?>
-<p:tagLst xmlns:p="http://schemas.openxmlformats.org/presentationml/2006/main">
-  <p:tag name="MH_OLD_SHAPE_ID" val="15"/>
-  <p:tag name="REFSHAPE" val="105553220333240"/>
-</p:tagLst>
-</file>
-
-<file path=ppt/tags/tag44.xml><?xml version="1.0" encoding="utf-8"?>
-<p:tagLst xmlns:p="http://schemas.openxmlformats.org/presentationml/2006/main">
-  <p:tag name="MH_OLD_SHAPE_ID" val="22"/>
-  <p:tag name="REFSHAPE" val="105553220319320"/>
-</p:tagLst>
-</file>
-
-<file path=ppt/tags/tag45.xml><?xml version="1.0" encoding="utf-8"?>
-<p:tagLst xmlns:p="http://schemas.openxmlformats.org/presentationml/2006/main">
-  <p:tag name="MH_OLD_SHAPE_ID" val="20"/>
-  <p:tag name="REFSHAPE" val="105553220334584"/>
-</p:tagLst>
-</file>
-
-<file path=ppt/tags/tag46.xml><?xml version="1.0" encoding="utf-8"?>
-<p:tagLst xmlns:p="http://schemas.openxmlformats.org/presentationml/2006/main">
-  <p:tag name="MH_OLD_SHAPE_ID" val="5"/>
-  <p:tag name="REFSHAPE" val="105553220336600"/>
-</p:tagLst>
-</file>
-
-<file path=ppt/tags/tag47.xml><?xml version="1.0" encoding="utf-8"?>
-<p:tagLst xmlns:p="http://schemas.openxmlformats.org/presentationml/2006/main">
-  <p:tag name="MH_OLD_SHAPE_ID" val="14"/>
-  <p:tag name="REFSHAPE" val="105553220328984"/>
-</p:tagLst>
-</file>
-
-<file path=ppt/tags/tag48.xml><?xml version="1.0" encoding="utf-8"?>
-<p:tagLst xmlns:p="http://schemas.openxmlformats.org/presentationml/2006/main">
-  <p:tag name="MH_OLD_SHAPE_ID" val="15"/>
-  <p:tag name="REFSHAPE" val="105553220333240"/>
-</p:tagLst>
-</file>
-
-<file path=ppt/tags/tag49.xml><?xml version="1.0" encoding="utf-8"?>
-<p:tagLst xmlns:p="http://schemas.openxmlformats.org/presentationml/2006/main">
-  <p:tag name="MH_OLD_SHAPE_ID" val="22"/>
-  <p:tag name="REFSHAPE" val="105553220319320"/>
-</p:tagLst>
-</file>
-
-<file path=ppt/tags/tag5.xml><?xml version="1.0" encoding="utf-8"?>
-<p:tagLst xmlns:p="http://schemas.openxmlformats.org/presentationml/2006/main">
-  <p:tag name="MH_OLD_SHAPE_ID" val="5"/>
-  <p:tag name="REFSHAPE" val="105553220336600"/>
-</p:tagLst>
-</file>
-
-<file path=ppt/tags/tag50.xml><?xml version="1.0" encoding="utf-8"?>
-<p:tagLst xmlns:p="http://schemas.openxmlformats.org/presentationml/2006/main">
-  <p:tag name="MH_OLD_SHAPE_ID" val="20"/>
-  <p:tag name="REFSHAPE" val="105553220334584"/>
-</p:tagLst>
-</file>
-
-<file path=ppt/tags/tag51.xml><?xml version="1.0" encoding="utf-8"?>
-<p:tagLst xmlns:p="http://schemas.openxmlformats.org/presentationml/2006/main">
-  <p:tag name="MH_OLD_SHAPE_ID" val="5"/>
-  <p:tag name="REFSHAPE" val="105553220336600"/>
-</p:tagLst>
-</file>
-
-<file path=ppt/tags/tag52.xml><?xml version="1.0" encoding="utf-8"?>
-<p:tagLst xmlns:p="http://schemas.openxmlformats.org/presentationml/2006/main">
-  <p:tag name="MH_OLD_SHAPE_ID" val="14"/>
-  <p:tag name="REFSHAPE" val="105553220328984"/>
-</p:tagLst>
-</file>
-
-<file path=ppt/tags/tag53.xml><?xml version="1.0" encoding="utf-8"?>
-<p:tagLst xmlns:p="http://schemas.openxmlformats.org/presentationml/2006/main">
-  <p:tag name="MH_OLD_SHAPE_ID" val="15"/>
-  <p:tag name="REFSHAPE" val="105553220333240"/>
-</p:tagLst>
-</file>
-
-<file path=ppt/tags/tag54.xml><?xml version="1.0" encoding="utf-8"?>
-<p:tagLst xmlns:p="http://schemas.openxmlformats.org/presentationml/2006/main">
-  <p:tag name="MH_OLD_SHAPE_ID" val="22"/>
-  <p:tag name="REFSHAPE" val="105553220319320"/>
-</p:tagLst>
-</file>
-
-<file path=ppt/tags/tag55.xml><?xml version="1.0" encoding="utf-8"?>
-<p:tagLst xmlns:p="http://schemas.openxmlformats.org/presentationml/2006/main">
-  <p:tag name="KSO_WM_UNIT_TABLE_BEAUTIFY" val="smartTable{74871da0-1b53-44be-a4a3-312cf40d46a5}"/>
-</p:tagLst>
-</file>
-
-<file path=ppt/tags/tag56.xml><?xml version="1.0" encoding="utf-8"?>
-<p:tagLst xmlns:p="http://schemas.openxmlformats.org/presentationml/2006/main">
-  <p:tag name="KSO_WM_UNIT_PLACING_PICTURE_USER_VIEWPORT" val="{&quot;height&quot;:2265,&quot;width&quot;:5670}"/>
-</p:tagLst>
-</file>
-
-<file path=ppt/tags/tag57.xml><?xml version="1.0" encoding="utf-8"?>
-<p:tagLst xmlns:p="http://schemas.openxmlformats.org/presentationml/2006/main">
-  <p:tag name="THINKCELLSHAPEDONOTDELETE" val="t1Smkff3fSzGMOuItfjj3Fw"/>
-</p:tagLst>
-</file>
-
-<file path=ppt/tags/tag58.xml><?xml version="1.0" encoding="utf-8"?>
-<p:tagLst xmlns:p="http://schemas.openxmlformats.org/presentationml/2006/main">
+<p:tagLst xmlns:a="http://schemas.openxmlformats.org/drawingml/2006/main" xmlns:r="http://schemas.openxmlformats.org/officeDocument/2006/relationships" xmlns:p="http://schemas.openxmlformats.org/presentationml/2006/main">
   <p:tag name="ISLIDE TOOLS.GUIDESSETTING" val="{&quot;Id&quot;:&quot;2d4375ee-8516-45e0-8956-45702a61a9b6&quot;,&quot;Name&quot;:&quot;iSlide&quot;,&quot;HeaderHeight&quot;:15.0,&quot;FooterHeight&quot;:9.0000000000000036,&quot;SideMargin&quot;:5.4999999999999982,&quot;TopMargin&quot;:0.0,&quot;BottomMargin&quot;:0.0,&quot;IntervalMargin&quot;:1.3999999999999997}"/>
   <p:tag name="ISLIDE.GUIDESSETTING" val="{&quot;Id&quot;:&quot;GuidesStyle_Normal&quot;,&quot;Name&quot;:&quot;正常&quot;,&quot;HeaderHeight&quot;:15.0,&quot;FooterHeight&quot;:9.0,&quot;SideMargin&quot;:5.5,&quot;TopMargin&quot;:0.0,&quot;BottomMargin&quot;:0.0,&quot;IntervalMargin&quot;:1.5}"/>
   <p:tag name="THINKCELLUNDODONOTDELETE" val="0"/>
@@ -27685,31 +25608,396 @@
 </p:tagLst>
 </file>
 
-<file path=ppt/tags/tag6.xml><?xml version="1.0" encoding="utf-8"?>
-<p:tagLst xmlns:p="http://schemas.openxmlformats.org/presentationml/2006/main">
+<file path=ppt/tags/tag10.xml><?xml version="1.0" encoding="utf-8"?>
+<p:tagLst xmlns:a="http://schemas.openxmlformats.org/drawingml/2006/main" xmlns:r="http://schemas.openxmlformats.org/officeDocument/2006/relationships" xmlns:p="http://schemas.openxmlformats.org/presentationml/2006/main">
+  <p:tag name="MH_OLD_SHAPE_ID" val="20"/>
+  <p:tag name="REFSHAPE" val="105553220334584"/>
+</p:tagLst>
+</file>
+
+<file path=ppt/tags/tag11.xml><?xml version="1.0" encoding="utf-8"?>
+<p:tagLst xmlns:a="http://schemas.openxmlformats.org/drawingml/2006/main" xmlns:r="http://schemas.openxmlformats.org/officeDocument/2006/relationships" xmlns:p="http://schemas.openxmlformats.org/presentationml/2006/main">
+  <p:tag name="MH_OLD_SHAPE_ID" val="20"/>
+  <p:tag name="REFSHAPE" val="105553220334584"/>
+</p:tagLst>
+</file>
+
+<file path=ppt/tags/tag12.xml><?xml version="1.0" encoding="utf-8"?>
+<p:tagLst xmlns:a="http://schemas.openxmlformats.org/drawingml/2006/main" xmlns:r="http://schemas.openxmlformats.org/officeDocument/2006/relationships" xmlns:p="http://schemas.openxmlformats.org/presentationml/2006/main">
+  <p:tag name="MH_OLD_SHAPE_ID" val="5"/>
+  <p:tag name="REFSHAPE" val="105553220336600"/>
+</p:tagLst>
+</file>
+
+<file path=ppt/tags/tag13.xml><?xml version="1.0" encoding="utf-8"?>
+<p:tagLst xmlns:a="http://schemas.openxmlformats.org/drawingml/2006/main" xmlns:r="http://schemas.openxmlformats.org/officeDocument/2006/relationships" xmlns:p="http://schemas.openxmlformats.org/presentationml/2006/main">
   <p:tag name="MH_OLD_SHAPE_ID" val="14"/>
   <p:tag name="REFSHAPE" val="105553220328984"/>
 </p:tagLst>
 </file>
 
-<file path=ppt/tags/tag7.xml><?xml version="1.0" encoding="utf-8"?>
-<p:tagLst xmlns:p="http://schemas.openxmlformats.org/presentationml/2006/main">
+<file path=ppt/tags/tag14.xml><?xml version="1.0" encoding="utf-8"?>
+<p:tagLst xmlns:a="http://schemas.openxmlformats.org/drawingml/2006/main" xmlns:r="http://schemas.openxmlformats.org/officeDocument/2006/relationships" xmlns:p="http://schemas.openxmlformats.org/presentationml/2006/main">
   <p:tag name="MH_OLD_SHAPE_ID" val="15"/>
   <p:tag name="REFSHAPE" val="105553220333240"/>
 </p:tagLst>
 </file>
 
-<file path=ppt/tags/tag8.xml><?xml version="1.0" encoding="utf-8"?>
-<p:tagLst xmlns:p="http://schemas.openxmlformats.org/presentationml/2006/main">
+<file path=ppt/tags/tag15.xml><?xml version="1.0" encoding="utf-8"?>
+<p:tagLst xmlns:a="http://schemas.openxmlformats.org/drawingml/2006/main" xmlns:r="http://schemas.openxmlformats.org/officeDocument/2006/relationships" xmlns:p="http://schemas.openxmlformats.org/presentationml/2006/main">
   <p:tag name="MH_OLD_SHAPE_ID" val="22"/>
   <p:tag name="REFSHAPE" val="105553220319320"/>
 </p:tagLst>
 </file>
 
-<file path=ppt/tags/tag9.xml><?xml version="1.0" encoding="utf-8"?>
-<p:tagLst xmlns:p="http://schemas.openxmlformats.org/presentationml/2006/main">
+<file path=ppt/tags/tag16.xml><?xml version="1.0" encoding="utf-8"?>
+<p:tagLst xmlns:a="http://schemas.openxmlformats.org/drawingml/2006/main" xmlns:r="http://schemas.openxmlformats.org/officeDocument/2006/relationships" xmlns:p="http://schemas.openxmlformats.org/presentationml/2006/main">
   <p:tag name="MH_OLD_SHAPE_ID" val="20"/>
   <p:tag name="REFSHAPE" val="105553220334584"/>
+</p:tagLst>
+</file>
+
+<file path=ppt/tags/tag17.xml><?xml version="1.0" encoding="utf-8"?>
+<p:tagLst xmlns:a="http://schemas.openxmlformats.org/drawingml/2006/main" xmlns:r="http://schemas.openxmlformats.org/officeDocument/2006/relationships" xmlns:p="http://schemas.openxmlformats.org/presentationml/2006/main">
+  <p:tag name="MH_OLD_SHAPE_ID" val="5"/>
+  <p:tag name="REFSHAPE" val="105553220336600"/>
+</p:tagLst>
+</file>
+
+<file path=ppt/tags/tag18.xml><?xml version="1.0" encoding="utf-8"?>
+<p:tagLst xmlns:a="http://schemas.openxmlformats.org/drawingml/2006/main" xmlns:r="http://schemas.openxmlformats.org/officeDocument/2006/relationships" xmlns:p="http://schemas.openxmlformats.org/presentationml/2006/main">
+  <p:tag name="MH_OLD_SHAPE_ID" val="14"/>
+  <p:tag name="REFSHAPE" val="105553220328984"/>
+</p:tagLst>
+</file>
+
+<file path=ppt/tags/tag19.xml><?xml version="1.0" encoding="utf-8"?>
+<p:tagLst xmlns:a="http://schemas.openxmlformats.org/drawingml/2006/main" xmlns:r="http://schemas.openxmlformats.org/officeDocument/2006/relationships" xmlns:p="http://schemas.openxmlformats.org/presentationml/2006/main">
+  <p:tag name="MH_OLD_SHAPE_ID" val="15"/>
+  <p:tag name="REFSHAPE" val="105553220333240"/>
+</p:tagLst>
+</file>
+
+<file path=ppt/tags/tag2.xml><?xml version="1.0" encoding="utf-8"?>
+<p:tagLst xmlns:a="http://schemas.openxmlformats.org/drawingml/2006/main" xmlns:r="http://schemas.openxmlformats.org/officeDocument/2006/relationships" xmlns:p="http://schemas.openxmlformats.org/presentationml/2006/main">
+  <p:tag name="THINKCELLSHAPEDONOTDELETE" val="tA6S0wzOvQ8a50SA42PUNRg"/>
+</p:tagLst>
+</file>
+
+<file path=ppt/tags/tag20.xml><?xml version="1.0" encoding="utf-8"?>
+<p:tagLst xmlns:a="http://schemas.openxmlformats.org/drawingml/2006/main" xmlns:r="http://schemas.openxmlformats.org/officeDocument/2006/relationships" xmlns:p="http://schemas.openxmlformats.org/presentationml/2006/main">
+  <p:tag name="MH_OLD_SHAPE_ID" val="22"/>
+  <p:tag name="REFSHAPE" val="105553220319320"/>
+</p:tagLst>
+</file>
+
+<file path=ppt/tags/tag21.xml><?xml version="1.0" encoding="utf-8"?>
+<p:tagLst xmlns:a="http://schemas.openxmlformats.org/drawingml/2006/main" xmlns:r="http://schemas.openxmlformats.org/officeDocument/2006/relationships" xmlns:p="http://schemas.openxmlformats.org/presentationml/2006/main">
+  <p:tag name="MH_OLD_SHAPE_ID" val="20"/>
+  <p:tag name="REFSHAPE" val="105553220334584"/>
+</p:tagLst>
+</file>
+
+<file path=ppt/tags/tag22.xml><?xml version="1.0" encoding="utf-8"?>
+<p:tagLst xmlns:a="http://schemas.openxmlformats.org/drawingml/2006/main" xmlns:r="http://schemas.openxmlformats.org/officeDocument/2006/relationships" xmlns:p="http://schemas.openxmlformats.org/presentationml/2006/main">
+  <p:tag name="MH_OLD_SHAPE_ID" val="5"/>
+  <p:tag name="REFSHAPE" val="105553220336600"/>
+</p:tagLst>
+</file>
+
+<file path=ppt/tags/tag23.xml><?xml version="1.0" encoding="utf-8"?>
+<p:tagLst xmlns:a="http://schemas.openxmlformats.org/drawingml/2006/main" xmlns:r="http://schemas.openxmlformats.org/officeDocument/2006/relationships" xmlns:p="http://schemas.openxmlformats.org/presentationml/2006/main">
+  <p:tag name="MH_OLD_SHAPE_ID" val="14"/>
+  <p:tag name="REFSHAPE" val="105553220328984"/>
+</p:tagLst>
+</file>
+
+<file path=ppt/tags/tag24.xml><?xml version="1.0" encoding="utf-8"?>
+<p:tagLst xmlns:a="http://schemas.openxmlformats.org/drawingml/2006/main" xmlns:r="http://schemas.openxmlformats.org/officeDocument/2006/relationships" xmlns:p="http://schemas.openxmlformats.org/presentationml/2006/main">
+  <p:tag name="MH_OLD_SHAPE_ID" val="15"/>
+  <p:tag name="REFSHAPE" val="105553220333240"/>
+</p:tagLst>
+</file>
+
+<file path=ppt/tags/tag25.xml><?xml version="1.0" encoding="utf-8"?>
+<p:tagLst xmlns:a="http://schemas.openxmlformats.org/drawingml/2006/main" xmlns:r="http://schemas.openxmlformats.org/officeDocument/2006/relationships" xmlns:p="http://schemas.openxmlformats.org/presentationml/2006/main">
+  <p:tag name="MH_OLD_SHAPE_ID" val="22"/>
+  <p:tag name="REFSHAPE" val="105553220319320"/>
+</p:tagLst>
+</file>
+
+<file path=ppt/tags/tag26.xml><?xml version="1.0" encoding="utf-8"?>
+<p:tagLst xmlns:a="http://schemas.openxmlformats.org/drawingml/2006/main" xmlns:r="http://schemas.openxmlformats.org/officeDocument/2006/relationships" xmlns:p="http://schemas.openxmlformats.org/presentationml/2006/main">
+  <p:tag name="MH_OLD_SHAPE_ID" val="20"/>
+  <p:tag name="REFSHAPE" val="105553220334584"/>
+</p:tagLst>
+</file>
+
+<file path=ppt/tags/tag27.xml><?xml version="1.0" encoding="utf-8"?>
+<p:tagLst xmlns:a="http://schemas.openxmlformats.org/drawingml/2006/main" xmlns:r="http://schemas.openxmlformats.org/officeDocument/2006/relationships" xmlns:p="http://schemas.openxmlformats.org/presentationml/2006/main">
+  <p:tag name="MH_OLD_SHAPE_ID" val="5"/>
+  <p:tag name="REFSHAPE" val="105553220336600"/>
+</p:tagLst>
+</file>
+
+<file path=ppt/tags/tag28.xml><?xml version="1.0" encoding="utf-8"?>
+<p:tagLst xmlns:a="http://schemas.openxmlformats.org/drawingml/2006/main" xmlns:r="http://schemas.openxmlformats.org/officeDocument/2006/relationships" xmlns:p="http://schemas.openxmlformats.org/presentationml/2006/main">
+  <p:tag name="MH_OLD_SHAPE_ID" val="14"/>
+  <p:tag name="REFSHAPE" val="105553220328984"/>
+</p:tagLst>
+</file>
+
+<file path=ppt/tags/tag29.xml><?xml version="1.0" encoding="utf-8"?>
+<p:tagLst xmlns:a="http://schemas.openxmlformats.org/drawingml/2006/main" xmlns:r="http://schemas.openxmlformats.org/officeDocument/2006/relationships" xmlns:p="http://schemas.openxmlformats.org/presentationml/2006/main">
+  <p:tag name="MH_OLD_SHAPE_ID" val="15"/>
+  <p:tag name="REFSHAPE" val="105553220333240"/>
+</p:tagLst>
+</file>
+
+<file path=ppt/tags/tag3.xml><?xml version="1.0" encoding="utf-8"?>
+<p:tagLst xmlns:a="http://schemas.openxmlformats.org/drawingml/2006/main" xmlns:r="http://schemas.openxmlformats.org/officeDocument/2006/relationships" xmlns:p="http://schemas.openxmlformats.org/presentationml/2006/main">
+  <p:tag name="THINKCELLSHAPEDONOTDELETE" val="tA6S0wzOvQ8a50SA42PUNRg"/>
+</p:tagLst>
+</file>
+
+<file path=ppt/tags/tag30.xml><?xml version="1.0" encoding="utf-8"?>
+<p:tagLst xmlns:a="http://schemas.openxmlformats.org/drawingml/2006/main" xmlns:r="http://schemas.openxmlformats.org/officeDocument/2006/relationships" xmlns:p="http://schemas.openxmlformats.org/presentationml/2006/main">
+  <p:tag name="MH_OLD_SHAPE_ID" val="22"/>
+  <p:tag name="REFSHAPE" val="105553220319320"/>
+</p:tagLst>
+</file>
+
+<file path=ppt/tags/tag31.xml><?xml version="1.0" encoding="utf-8"?>
+<p:tagLst xmlns:a="http://schemas.openxmlformats.org/drawingml/2006/main" xmlns:r="http://schemas.openxmlformats.org/officeDocument/2006/relationships" xmlns:p="http://schemas.openxmlformats.org/presentationml/2006/main">
+  <p:tag name="MH_OLD_SHAPE_ID" val="20"/>
+  <p:tag name="REFSHAPE" val="105553220334584"/>
+</p:tagLst>
+</file>
+
+<file path=ppt/tags/tag32.xml><?xml version="1.0" encoding="utf-8"?>
+<p:tagLst xmlns:a="http://schemas.openxmlformats.org/drawingml/2006/main" xmlns:r="http://schemas.openxmlformats.org/officeDocument/2006/relationships" xmlns:p="http://schemas.openxmlformats.org/presentationml/2006/main">
+  <p:tag name="MH_OLD_SHAPE_ID" val="5"/>
+  <p:tag name="REFSHAPE" val="105553220336600"/>
+</p:tagLst>
+</file>
+
+<file path=ppt/tags/tag33.xml><?xml version="1.0" encoding="utf-8"?>
+<p:tagLst xmlns:a="http://schemas.openxmlformats.org/drawingml/2006/main" xmlns:r="http://schemas.openxmlformats.org/officeDocument/2006/relationships" xmlns:p="http://schemas.openxmlformats.org/presentationml/2006/main">
+  <p:tag name="MH_OLD_SHAPE_ID" val="14"/>
+  <p:tag name="REFSHAPE" val="105553220328984"/>
+</p:tagLst>
+</file>
+
+<file path=ppt/tags/tag34.xml><?xml version="1.0" encoding="utf-8"?>
+<p:tagLst xmlns:a="http://schemas.openxmlformats.org/drawingml/2006/main" xmlns:r="http://schemas.openxmlformats.org/officeDocument/2006/relationships" xmlns:p="http://schemas.openxmlformats.org/presentationml/2006/main">
+  <p:tag name="MH_OLD_SHAPE_ID" val="15"/>
+  <p:tag name="REFSHAPE" val="105553220333240"/>
+</p:tagLst>
+</file>
+
+<file path=ppt/tags/tag35.xml><?xml version="1.0" encoding="utf-8"?>
+<p:tagLst xmlns:a="http://schemas.openxmlformats.org/drawingml/2006/main" xmlns:r="http://schemas.openxmlformats.org/officeDocument/2006/relationships" xmlns:p="http://schemas.openxmlformats.org/presentationml/2006/main">
+  <p:tag name="MH_OLD_SHAPE_ID" val="22"/>
+  <p:tag name="REFSHAPE" val="105553220319320"/>
+</p:tagLst>
+</file>
+
+<file path=ppt/tags/tag36.xml><?xml version="1.0" encoding="utf-8"?>
+<p:tagLst xmlns:a="http://schemas.openxmlformats.org/drawingml/2006/main" xmlns:r="http://schemas.openxmlformats.org/officeDocument/2006/relationships" xmlns:p="http://schemas.openxmlformats.org/presentationml/2006/main">
+  <p:tag name="MH_OLD_SHAPE_ID" val="20"/>
+  <p:tag name="REFSHAPE" val="105553220334584"/>
+</p:tagLst>
+</file>
+
+<file path=ppt/tags/tag37.xml><?xml version="1.0" encoding="utf-8"?>
+<p:tagLst xmlns:a="http://schemas.openxmlformats.org/drawingml/2006/main" xmlns:r="http://schemas.openxmlformats.org/officeDocument/2006/relationships" xmlns:p="http://schemas.openxmlformats.org/presentationml/2006/main">
+  <p:tag name="MH_OLD_SHAPE_ID" val="5"/>
+  <p:tag name="REFSHAPE" val="105553220336600"/>
+</p:tagLst>
+</file>
+
+<file path=ppt/tags/tag38.xml><?xml version="1.0" encoding="utf-8"?>
+<p:tagLst xmlns:a="http://schemas.openxmlformats.org/drawingml/2006/main" xmlns:r="http://schemas.openxmlformats.org/officeDocument/2006/relationships" xmlns:p="http://schemas.openxmlformats.org/presentationml/2006/main">
+  <p:tag name="MH_OLD_SHAPE_ID" val="14"/>
+  <p:tag name="REFSHAPE" val="105553220328984"/>
+</p:tagLst>
+</file>
+
+<file path=ppt/tags/tag39.xml><?xml version="1.0" encoding="utf-8"?>
+<p:tagLst xmlns:a="http://schemas.openxmlformats.org/drawingml/2006/main" xmlns:r="http://schemas.openxmlformats.org/officeDocument/2006/relationships" xmlns:p="http://schemas.openxmlformats.org/presentationml/2006/main">
+  <p:tag name="MH_OLD_SHAPE_ID" val="15"/>
+  <p:tag name="REFSHAPE" val="105553220333240"/>
+</p:tagLst>
+</file>
+
+<file path=ppt/tags/tag4.xml><?xml version="1.0" encoding="utf-8"?>
+<p:tagLst xmlns:a="http://schemas.openxmlformats.org/drawingml/2006/main" xmlns:r="http://schemas.openxmlformats.org/officeDocument/2006/relationships" xmlns:p="http://schemas.openxmlformats.org/presentationml/2006/main">
+  <p:tag name="KSO_WM_UNIT_TABLE_BEAUTIFY" val="smartTable{58a06314-7e72-4d48-85a8-7253ed818c17}"/>
+</p:tagLst>
+</file>
+
+<file path=ppt/tags/tag40.xml><?xml version="1.0" encoding="utf-8"?>
+<p:tagLst xmlns:a="http://schemas.openxmlformats.org/drawingml/2006/main" xmlns:r="http://schemas.openxmlformats.org/officeDocument/2006/relationships" xmlns:p="http://schemas.openxmlformats.org/presentationml/2006/main">
+  <p:tag name="MH_OLD_SHAPE_ID" val="22"/>
+  <p:tag name="REFSHAPE" val="105553220319320"/>
+</p:tagLst>
+</file>
+
+<file path=ppt/tags/tag41.xml><?xml version="1.0" encoding="utf-8"?>
+<p:tagLst xmlns:a="http://schemas.openxmlformats.org/drawingml/2006/main" xmlns:r="http://schemas.openxmlformats.org/officeDocument/2006/relationships" xmlns:p="http://schemas.openxmlformats.org/presentationml/2006/main">
+  <p:tag name="MH_OLD_SHAPE_ID" val="20"/>
+  <p:tag name="REFSHAPE" val="105553220334584"/>
+</p:tagLst>
+</file>
+
+<file path=ppt/tags/tag42.xml><?xml version="1.0" encoding="utf-8"?>
+<p:tagLst xmlns:a="http://schemas.openxmlformats.org/drawingml/2006/main" xmlns:r="http://schemas.openxmlformats.org/officeDocument/2006/relationships" xmlns:p="http://schemas.openxmlformats.org/presentationml/2006/main">
+  <p:tag name="MH_OLD_SHAPE_ID" val="5"/>
+  <p:tag name="REFSHAPE" val="105553220336600"/>
+</p:tagLst>
+</file>
+
+<file path=ppt/tags/tag43.xml><?xml version="1.0" encoding="utf-8"?>
+<p:tagLst xmlns:a="http://schemas.openxmlformats.org/drawingml/2006/main" xmlns:r="http://schemas.openxmlformats.org/officeDocument/2006/relationships" xmlns:p="http://schemas.openxmlformats.org/presentationml/2006/main">
+  <p:tag name="MH_OLD_SHAPE_ID" val="14"/>
+  <p:tag name="REFSHAPE" val="105553220328984"/>
+</p:tagLst>
+</file>
+
+<file path=ppt/tags/tag44.xml><?xml version="1.0" encoding="utf-8"?>
+<p:tagLst xmlns:a="http://schemas.openxmlformats.org/drawingml/2006/main" xmlns:r="http://schemas.openxmlformats.org/officeDocument/2006/relationships" xmlns:p="http://schemas.openxmlformats.org/presentationml/2006/main">
+  <p:tag name="MH_OLD_SHAPE_ID" val="15"/>
+  <p:tag name="REFSHAPE" val="105553220333240"/>
+</p:tagLst>
+</file>
+
+<file path=ppt/tags/tag45.xml><?xml version="1.0" encoding="utf-8"?>
+<p:tagLst xmlns:a="http://schemas.openxmlformats.org/drawingml/2006/main" xmlns:r="http://schemas.openxmlformats.org/officeDocument/2006/relationships" xmlns:p="http://schemas.openxmlformats.org/presentationml/2006/main">
+  <p:tag name="MH_OLD_SHAPE_ID" val="22"/>
+  <p:tag name="REFSHAPE" val="105553220319320"/>
+</p:tagLst>
+</file>
+
+<file path=ppt/tags/tag46.xml><?xml version="1.0" encoding="utf-8"?>
+<p:tagLst xmlns:a="http://schemas.openxmlformats.org/drawingml/2006/main" xmlns:r="http://schemas.openxmlformats.org/officeDocument/2006/relationships" xmlns:p="http://schemas.openxmlformats.org/presentationml/2006/main">
+  <p:tag name="MH_OLD_SHAPE_ID" val="20"/>
+  <p:tag name="REFSHAPE" val="105553220334584"/>
+</p:tagLst>
+</file>
+
+<file path=ppt/tags/tag47.xml><?xml version="1.0" encoding="utf-8"?>
+<p:tagLst xmlns:a="http://schemas.openxmlformats.org/drawingml/2006/main" xmlns:r="http://schemas.openxmlformats.org/officeDocument/2006/relationships" xmlns:p="http://schemas.openxmlformats.org/presentationml/2006/main">
+  <p:tag name="MH_OLD_SHAPE_ID" val="5"/>
+  <p:tag name="REFSHAPE" val="105553220336600"/>
+</p:tagLst>
+</file>
+
+<file path=ppt/tags/tag48.xml><?xml version="1.0" encoding="utf-8"?>
+<p:tagLst xmlns:a="http://schemas.openxmlformats.org/drawingml/2006/main" xmlns:r="http://schemas.openxmlformats.org/officeDocument/2006/relationships" xmlns:p="http://schemas.openxmlformats.org/presentationml/2006/main">
+  <p:tag name="MH_OLD_SHAPE_ID" val="14"/>
+  <p:tag name="REFSHAPE" val="105553220328984"/>
+</p:tagLst>
+</file>
+
+<file path=ppt/tags/tag49.xml><?xml version="1.0" encoding="utf-8"?>
+<p:tagLst xmlns:a="http://schemas.openxmlformats.org/drawingml/2006/main" xmlns:r="http://schemas.openxmlformats.org/officeDocument/2006/relationships" xmlns:p="http://schemas.openxmlformats.org/presentationml/2006/main">
+  <p:tag name="MH_OLD_SHAPE_ID" val="15"/>
+  <p:tag name="REFSHAPE" val="105553220333240"/>
+</p:tagLst>
+</file>
+
+<file path=ppt/tags/tag5.xml><?xml version="1.0" encoding="utf-8"?>
+<p:tagLst xmlns:a="http://schemas.openxmlformats.org/drawingml/2006/main" xmlns:r="http://schemas.openxmlformats.org/officeDocument/2006/relationships" xmlns:p="http://schemas.openxmlformats.org/presentationml/2006/main">
+  <p:tag name="MH_OLD_SHAPE_ID" val="20"/>
+  <p:tag name="REFSHAPE" val="105553220334584"/>
+</p:tagLst>
+</file>
+
+<file path=ppt/tags/tag50.xml><?xml version="1.0" encoding="utf-8"?>
+<p:tagLst xmlns:a="http://schemas.openxmlformats.org/drawingml/2006/main" xmlns:r="http://schemas.openxmlformats.org/officeDocument/2006/relationships" xmlns:p="http://schemas.openxmlformats.org/presentationml/2006/main">
+  <p:tag name="MH_OLD_SHAPE_ID" val="22"/>
+  <p:tag name="REFSHAPE" val="105553220319320"/>
+</p:tagLst>
+</file>
+
+<file path=ppt/tags/tag51.xml><?xml version="1.0" encoding="utf-8"?>
+<p:tagLst xmlns:a="http://schemas.openxmlformats.org/drawingml/2006/main" xmlns:r="http://schemas.openxmlformats.org/officeDocument/2006/relationships" xmlns:p="http://schemas.openxmlformats.org/presentationml/2006/main">
+  <p:tag name="MH_OLD_SHAPE_ID" val="20"/>
+  <p:tag name="REFSHAPE" val="105553220334584"/>
+</p:tagLst>
+</file>
+
+<file path=ppt/tags/tag52.xml><?xml version="1.0" encoding="utf-8"?>
+<p:tagLst xmlns:a="http://schemas.openxmlformats.org/drawingml/2006/main" xmlns:r="http://schemas.openxmlformats.org/officeDocument/2006/relationships" xmlns:p="http://schemas.openxmlformats.org/presentationml/2006/main">
+  <p:tag name="MH_OLD_SHAPE_ID" val="5"/>
+  <p:tag name="REFSHAPE" val="105553220336600"/>
+</p:tagLst>
+</file>
+
+<file path=ppt/tags/tag53.xml><?xml version="1.0" encoding="utf-8"?>
+<p:tagLst xmlns:a="http://schemas.openxmlformats.org/drawingml/2006/main" xmlns:r="http://schemas.openxmlformats.org/officeDocument/2006/relationships" xmlns:p="http://schemas.openxmlformats.org/presentationml/2006/main">
+  <p:tag name="MH_OLD_SHAPE_ID" val="14"/>
+  <p:tag name="REFSHAPE" val="105553220328984"/>
+</p:tagLst>
+</file>
+
+<file path=ppt/tags/tag54.xml><?xml version="1.0" encoding="utf-8"?>
+<p:tagLst xmlns:a="http://schemas.openxmlformats.org/drawingml/2006/main" xmlns:r="http://schemas.openxmlformats.org/officeDocument/2006/relationships" xmlns:p="http://schemas.openxmlformats.org/presentationml/2006/main">
+  <p:tag name="MH_OLD_SHAPE_ID" val="15"/>
+  <p:tag name="REFSHAPE" val="105553220333240"/>
+</p:tagLst>
+</file>
+
+<file path=ppt/tags/tag55.xml><?xml version="1.0" encoding="utf-8"?>
+<p:tagLst xmlns:a="http://schemas.openxmlformats.org/drawingml/2006/main" xmlns:r="http://schemas.openxmlformats.org/officeDocument/2006/relationships" xmlns:p="http://schemas.openxmlformats.org/presentationml/2006/main">
+  <p:tag name="MH_OLD_SHAPE_ID" val="22"/>
+  <p:tag name="REFSHAPE" val="105553220319320"/>
+</p:tagLst>
+</file>
+
+<file path=ppt/tags/tag56.xml><?xml version="1.0" encoding="utf-8"?>
+<p:tagLst xmlns:a="http://schemas.openxmlformats.org/drawingml/2006/main" xmlns:r="http://schemas.openxmlformats.org/officeDocument/2006/relationships" xmlns:p="http://schemas.openxmlformats.org/presentationml/2006/main">
+  <p:tag name="KSO_WM_UNIT_TABLE_BEAUTIFY" val="smartTable{74871da0-1b53-44be-a4a3-312cf40d46a5}"/>
+</p:tagLst>
+</file>
+
+<file path=ppt/tags/tag57.xml><?xml version="1.0" encoding="utf-8"?>
+<p:tagLst xmlns:a="http://schemas.openxmlformats.org/drawingml/2006/main" xmlns:r="http://schemas.openxmlformats.org/officeDocument/2006/relationships" xmlns:p="http://schemas.openxmlformats.org/presentationml/2006/main">
+  <p:tag name="KSO_WM_UNIT_PLACING_PICTURE_USER_VIEWPORT" val="{&quot;height&quot;:2265,&quot;width&quot;:5670}"/>
+</p:tagLst>
+</file>
+
+<file path=ppt/tags/tag58.xml><?xml version="1.0" encoding="utf-8"?>
+<p:tagLst xmlns:a="http://schemas.openxmlformats.org/drawingml/2006/main" xmlns:r="http://schemas.openxmlformats.org/officeDocument/2006/relationships" xmlns:p="http://schemas.openxmlformats.org/presentationml/2006/main">
+  <p:tag name="THINKCELLSHAPEDONOTDELETE" val="t1Smkff3fSzGMOuItfjj3Fw"/>
+</p:tagLst>
+</file>
+
+<file path=ppt/tags/tag6.xml><?xml version="1.0" encoding="utf-8"?>
+<p:tagLst xmlns:a="http://schemas.openxmlformats.org/drawingml/2006/main" xmlns:r="http://schemas.openxmlformats.org/officeDocument/2006/relationships" xmlns:p="http://schemas.openxmlformats.org/presentationml/2006/main">
+  <p:tag name="MH_OLD_SHAPE_ID" val="5"/>
+  <p:tag name="REFSHAPE" val="105553220336600"/>
+</p:tagLst>
+</file>
+
+<file path=ppt/tags/tag7.xml><?xml version="1.0" encoding="utf-8"?>
+<p:tagLst xmlns:a="http://schemas.openxmlformats.org/drawingml/2006/main" xmlns:r="http://schemas.openxmlformats.org/officeDocument/2006/relationships" xmlns:p="http://schemas.openxmlformats.org/presentationml/2006/main">
+  <p:tag name="MH_OLD_SHAPE_ID" val="14"/>
+  <p:tag name="REFSHAPE" val="105553220328984"/>
+</p:tagLst>
+</file>
+
+<file path=ppt/tags/tag8.xml><?xml version="1.0" encoding="utf-8"?>
+<p:tagLst xmlns:a="http://schemas.openxmlformats.org/drawingml/2006/main" xmlns:r="http://schemas.openxmlformats.org/officeDocument/2006/relationships" xmlns:p="http://schemas.openxmlformats.org/presentationml/2006/main">
+  <p:tag name="MH_OLD_SHAPE_ID" val="15"/>
+  <p:tag name="REFSHAPE" val="105553220333240"/>
+</p:tagLst>
+</file>
+
+<file path=ppt/tags/tag9.xml><?xml version="1.0" encoding="utf-8"?>
+<p:tagLst xmlns:a="http://schemas.openxmlformats.org/drawingml/2006/main" xmlns:r="http://schemas.openxmlformats.org/officeDocument/2006/relationships" xmlns:p="http://schemas.openxmlformats.org/presentationml/2006/main">
+  <p:tag name="MH_OLD_SHAPE_ID" val="22"/>
+  <p:tag name="REFSHAPE" val="105553220319320"/>
 </p:tagLst>
 </file>
 
@@ -27931,6 +26219,7 @@
       </a:style>
     </a:spDef>
   </a:objectDefaults>
+  <a:extraClrSchemeLst/>
   <a:extLst>
     <a:ext uri="{05A4C25C-085E-4340-85A3-A5531E510DB2}">
       <thm15:themeFamily xmlns:thm15="http://schemas.microsoft.com/office/thememl/2012/main" name="Office Theme" id="{62F939B6-93AF-4DB8-9C6B-D6C7DFDC589F}" vid="{4A3C46E8-61CC-4603-A589-7422A47A8E4A}"/>
@@ -28190,6 +26479,8 @@
       </a:bgFillStyleLst>
     </a:fmtScheme>
   </a:themeElements>
+  <a:objectDefaults/>
+  <a:extraClrSchemeLst/>
   <a:extLst>
     <a:ext uri="{05A4C25C-085E-4340-85A3-A5531E510DB2}">
       <thm15:themeFamily xmlns:thm15="http://schemas.microsoft.com/office/thememl/2012/main" name="Office Theme" id="{62F939B6-93AF-4DB8-9C6B-D6C7DFDC589F}" vid="{4A3C46E8-61CC-4603-A589-7422A47A8E4A}"/>
